--- a/8_Disjoint.pptx
+++ b/8_Disjoint.pptx
@@ -9,6 +9,23 @@
     <p:sldId id="257" r:id="rId3"/>
     <p:sldId id="258" r:id="rId4"/>
     <p:sldId id="259" r:id="rId5"/>
+    <p:sldId id="264" r:id="rId6"/>
+    <p:sldId id="260" r:id="rId7"/>
+    <p:sldId id="261" r:id="rId8"/>
+    <p:sldId id="262" r:id="rId9"/>
+    <p:sldId id="263" r:id="rId10"/>
+    <p:sldId id="265" r:id="rId11"/>
+    <p:sldId id="266" r:id="rId12"/>
+    <p:sldId id="267" r:id="rId13"/>
+    <p:sldId id="268" r:id="rId14"/>
+    <p:sldId id="269" r:id="rId15"/>
+    <p:sldId id="270" r:id="rId16"/>
+    <p:sldId id="271" r:id="rId17"/>
+    <p:sldId id="272" r:id="rId18"/>
+    <p:sldId id="273" r:id="rId19"/>
+    <p:sldId id="274" r:id="rId20"/>
+    <p:sldId id="275" r:id="rId21"/>
+    <p:sldId id="276" r:id="rId22"/>
   </p:sldIdLst>
   <p:sldSz cx="12192000" cy="6858000"/>
   <p:notesSz cx="6858000" cy="9144000"/>
@@ -107,6 +124,11 @@
       </a:defRPr>
     </a:lvl9pPr>
   </p:defaultTextStyle>
+  <p:extLst>
+    <p:ext uri="{EFAFB233-063F-42B5-8137-9DF3F51BA10A}">
+      <p15:sldGuideLst xmlns:p15="http://schemas.microsoft.com/office/powerpoint/2012/main"/>
+    </p:ext>
+  </p:extLst>
 </p:presentation>
 </file>
 
@@ -3424,6 +3446,1249 @@
 </p:sld>
 </file>
 
+<file path=ppt/slides/slide10.xml><?xml version="1.0" encoding="utf-8"?>
+<p:sld xmlns:a="http://schemas.openxmlformats.org/drawingml/2006/main" xmlns:r="http://schemas.openxmlformats.org/officeDocument/2006/relationships" xmlns:p="http://schemas.openxmlformats.org/presentationml/2006/main">
+  <p:cSld>
+    <p:spTree>
+      <p:nvGrpSpPr>
+        <p:cNvPr id="1" name=""/>
+        <p:cNvGrpSpPr/>
+        <p:nvPr/>
+      </p:nvGrpSpPr>
+      <p:grpSpPr>
+        <a:xfrm>
+          <a:off x="0" y="0"/>
+          <a:ext cx="0" cy="0"/>
+          <a:chOff x="0" y="0"/>
+          <a:chExt cx="0" cy="0"/>
+        </a:xfrm>
+      </p:grpSpPr>
+      <p:sp>
+        <p:nvSpPr>
+          <p:cNvPr id="2" name="Title 1">
+            <a:extLst>
+              <a:ext uri="{FF2B5EF4-FFF2-40B4-BE49-F238E27FC236}">
+                <a16:creationId xmlns:a16="http://schemas.microsoft.com/office/drawing/2014/main" id="{46361331-6FF9-48C3-9015-B8FD40C123B4}"/>
+              </a:ext>
+            </a:extLst>
+          </p:cNvPr>
+          <p:cNvSpPr>
+            <a:spLocks noGrp="1"/>
+          </p:cNvSpPr>
+          <p:nvPr>
+            <p:ph type="title"/>
+          </p:nvPr>
+        </p:nvSpPr>
+        <p:spPr/>
+        <p:txBody>
+          <a:bodyPr/>
+          <a:lstStyle/>
+          <a:p>
+            <a:r>
+              <a:rPr lang="en-GB" altLang="zh-TW" dirty="0"/>
+              <a:t>Challenge</a:t>
+            </a:r>
+            <a:endParaRPr lang="zh-TW" altLang="en-US" dirty="0"/>
+          </a:p>
+        </p:txBody>
+      </p:sp>
+      <p:sp>
+        <p:nvSpPr>
+          <p:cNvPr id="3" name="Content Placeholder 2">
+            <a:extLst>
+              <a:ext uri="{FF2B5EF4-FFF2-40B4-BE49-F238E27FC236}">
+                <a16:creationId xmlns:a16="http://schemas.microsoft.com/office/drawing/2014/main" id="{6ABB48F9-7ECF-40A1-8972-5E38C6D9C0D4}"/>
+              </a:ext>
+            </a:extLst>
+          </p:cNvPr>
+          <p:cNvSpPr>
+            <a:spLocks noGrp="1"/>
+          </p:cNvSpPr>
+          <p:nvPr>
+            <p:ph idx="1"/>
+          </p:nvPr>
+        </p:nvSpPr>
+        <p:spPr/>
+        <p:txBody>
+          <a:bodyPr/>
+          <a:lstStyle/>
+          <a:p>
+            <a:r>
+              <a:rPr lang="en-GB" altLang="zh-TW" dirty="0"/>
+              <a:t>How to count the liberties?</a:t>
+            </a:r>
+          </a:p>
+          <a:p>
+            <a:endParaRPr lang="en-GB" altLang="zh-TW" dirty="0"/>
+          </a:p>
+          <a:p>
+            <a:r>
+              <a:rPr lang="en-GB" altLang="zh-TW" dirty="0"/>
+              <a:t>Many special cases to handle…</a:t>
+            </a:r>
+            <a:endParaRPr lang="zh-TW" altLang="en-US" dirty="0"/>
+          </a:p>
+        </p:txBody>
+      </p:sp>
+      <p:pic>
+        <p:nvPicPr>
+          <p:cNvPr id="4" name="Picture 2" descr="「java weiqi」的圖片搜尋結果">
+            <a:extLst>
+              <a:ext uri="{FF2B5EF4-FFF2-40B4-BE49-F238E27FC236}">
+                <a16:creationId xmlns:a16="http://schemas.microsoft.com/office/drawing/2014/main" id="{B6FEC1F9-0E3A-48E5-B31D-66AB22166377}"/>
+              </a:ext>
+            </a:extLst>
+          </p:cNvPr>
+          <p:cNvPicPr>
+            <a:picLocks noChangeAspect="1" noChangeArrowheads="1"/>
+          </p:cNvPicPr>
+          <p:nvPr/>
+        </p:nvPicPr>
+        <p:blipFill>
+          <a:blip r:embed="rId2">
+            <a:extLst>
+              <a:ext uri="{28A0092B-C50C-407E-A947-70E740481C1C}">
+                <a14:useLocalDpi xmlns:a14="http://schemas.microsoft.com/office/drawing/2010/main" val="0"/>
+              </a:ext>
+            </a:extLst>
+          </a:blip>
+          <a:srcRect/>
+          <a:stretch>
+            <a:fillRect/>
+          </a:stretch>
+        </p:blipFill>
+        <p:spPr bwMode="auto">
+          <a:xfrm>
+            <a:off x="6293134" y="2069694"/>
+            <a:ext cx="4479319" cy="3555015"/>
+          </a:xfrm>
+          <a:prstGeom prst="rect">
+            <a:avLst/>
+          </a:prstGeom>
+          <a:noFill/>
+          <a:extLst>
+            <a:ext uri="{909E8E84-426E-40DD-AFC4-6F175D3DCCD1}">
+              <a14:hiddenFill xmlns:a14="http://schemas.microsoft.com/office/drawing/2010/main">
+                <a:solidFill>
+                  <a:srgbClr val="FFFFFF"/>
+                </a:solidFill>
+              </a14:hiddenFill>
+            </a:ext>
+          </a:extLst>
+        </p:spPr>
+      </p:pic>
+    </p:spTree>
+    <p:extLst>
+      <p:ext uri="{BB962C8B-B14F-4D97-AF65-F5344CB8AC3E}">
+        <p14:creationId xmlns:p14="http://schemas.microsoft.com/office/powerpoint/2010/main" val="161077977"/>
+      </p:ext>
+    </p:extLst>
+  </p:cSld>
+  <p:clrMapOvr>
+    <a:masterClrMapping/>
+  </p:clrMapOvr>
+</p:sld>
+</file>
+
+<file path=ppt/slides/slide11.xml><?xml version="1.0" encoding="utf-8"?>
+<p:sld xmlns:a="http://schemas.openxmlformats.org/drawingml/2006/main" xmlns:r="http://schemas.openxmlformats.org/officeDocument/2006/relationships" xmlns:p="http://schemas.openxmlformats.org/presentationml/2006/main">
+  <p:cSld>
+    <p:spTree>
+      <p:nvGrpSpPr>
+        <p:cNvPr id="1" name=""/>
+        <p:cNvGrpSpPr/>
+        <p:nvPr/>
+      </p:nvGrpSpPr>
+      <p:grpSpPr>
+        <a:xfrm>
+          <a:off x="0" y="0"/>
+          <a:ext cx="0" cy="0"/>
+          <a:chOff x="0" y="0"/>
+          <a:chExt cx="0" cy="0"/>
+        </a:xfrm>
+      </p:grpSpPr>
+      <p:sp>
+        <p:nvSpPr>
+          <p:cNvPr id="2" name="Title 1">
+            <a:extLst>
+              <a:ext uri="{FF2B5EF4-FFF2-40B4-BE49-F238E27FC236}">
+                <a16:creationId xmlns:a16="http://schemas.microsoft.com/office/drawing/2014/main" id="{45329C73-0C8C-42CC-BB4F-BA93D12D7A11}"/>
+              </a:ext>
+            </a:extLst>
+          </p:cNvPr>
+          <p:cNvSpPr>
+            <a:spLocks noGrp="1"/>
+          </p:cNvSpPr>
+          <p:nvPr>
+            <p:ph type="title"/>
+          </p:nvPr>
+        </p:nvSpPr>
+        <p:spPr/>
+        <p:txBody>
+          <a:bodyPr/>
+          <a:lstStyle/>
+          <a:p>
+            <a:r>
+              <a:rPr lang="en-GB" altLang="zh-TW" dirty="0"/>
+              <a:t>Application : Minimum spanning tree</a:t>
+            </a:r>
+            <a:endParaRPr lang="zh-TW" altLang="en-US" dirty="0"/>
+          </a:p>
+        </p:txBody>
+      </p:sp>
+      <p:sp>
+        <p:nvSpPr>
+          <p:cNvPr id="3" name="Content Placeholder 2">
+            <a:extLst>
+              <a:ext uri="{FF2B5EF4-FFF2-40B4-BE49-F238E27FC236}">
+                <a16:creationId xmlns:a16="http://schemas.microsoft.com/office/drawing/2014/main" id="{24C18F02-1EBB-48CC-A33E-60ED37A5CDD9}"/>
+              </a:ext>
+            </a:extLst>
+          </p:cNvPr>
+          <p:cNvSpPr>
+            <a:spLocks noGrp="1"/>
+          </p:cNvSpPr>
+          <p:nvPr>
+            <p:ph idx="1"/>
+          </p:nvPr>
+        </p:nvSpPr>
+        <p:spPr/>
+        <p:txBody>
+          <a:bodyPr/>
+          <a:lstStyle/>
+          <a:p>
+            <a:r>
+              <a:rPr lang="en-GB" altLang="zh-TW" dirty="0"/>
+              <a:t>A </a:t>
+            </a:r>
+            <a:r>
+              <a:rPr lang="en-GB" altLang="zh-TW" dirty="0">
+                <a:solidFill>
+                  <a:srgbClr val="FF0000"/>
+                </a:solidFill>
+              </a:rPr>
+              <a:t>spanning tree </a:t>
+            </a:r>
+            <a:r>
+              <a:rPr lang="en-GB" altLang="zh-TW" dirty="0"/>
+              <a:t>for a graph is a tree (</a:t>
+            </a:r>
+            <a:r>
+              <a:rPr lang="en-GB" altLang="zh-TW" dirty="0">
+                <a:solidFill>
+                  <a:srgbClr val="FF0000"/>
+                </a:solidFill>
+              </a:rPr>
+              <a:t>no cycles</a:t>
+            </a:r>
+            <a:r>
+              <a:rPr lang="en-GB" altLang="zh-TW" dirty="0"/>
+              <a:t>) whose edges cover all vertices</a:t>
+            </a:r>
+            <a:endParaRPr lang="zh-TW" altLang="en-US" dirty="0">
+              <a:solidFill>
+                <a:srgbClr val="FF0000"/>
+              </a:solidFill>
+            </a:endParaRPr>
+          </a:p>
+        </p:txBody>
+      </p:sp>
+    </p:spTree>
+    <p:extLst>
+      <p:ext uri="{BB962C8B-B14F-4D97-AF65-F5344CB8AC3E}">
+        <p14:creationId xmlns:p14="http://schemas.microsoft.com/office/powerpoint/2010/main" val="3555594042"/>
+      </p:ext>
+    </p:extLst>
+  </p:cSld>
+  <p:clrMapOvr>
+    <a:masterClrMapping/>
+  </p:clrMapOvr>
+</p:sld>
+</file>
+
+<file path=ppt/slides/slide12.xml><?xml version="1.0" encoding="utf-8"?>
+<p:sld xmlns:a="http://schemas.openxmlformats.org/drawingml/2006/main" xmlns:r="http://schemas.openxmlformats.org/officeDocument/2006/relationships" xmlns:p="http://schemas.openxmlformats.org/presentationml/2006/main">
+  <p:cSld>
+    <p:spTree>
+      <p:nvGrpSpPr>
+        <p:cNvPr id="1" name=""/>
+        <p:cNvGrpSpPr/>
+        <p:nvPr/>
+      </p:nvGrpSpPr>
+      <p:grpSpPr>
+        <a:xfrm>
+          <a:off x="0" y="0"/>
+          <a:ext cx="0" cy="0"/>
+          <a:chOff x="0" y="0"/>
+          <a:chExt cx="0" cy="0"/>
+        </a:xfrm>
+      </p:grpSpPr>
+      <p:sp>
+        <p:nvSpPr>
+          <p:cNvPr id="2" name="Title 1">
+            <a:extLst>
+              <a:ext uri="{FF2B5EF4-FFF2-40B4-BE49-F238E27FC236}">
+                <a16:creationId xmlns:a16="http://schemas.microsoft.com/office/drawing/2014/main" id="{8BC1D603-218B-471B-A7BD-300825C686E5}"/>
+              </a:ext>
+            </a:extLst>
+          </p:cNvPr>
+          <p:cNvSpPr>
+            <a:spLocks noGrp="1"/>
+          </p:cNvSpPr>
+          <p:nvPr>
+            <p:ph type="title"/>
+          </p:nvPr>
+        </p:nvSpPr>
+        <p:spPr/>
+        <p:txBody>
+          <a:bodyPr/>
+          <a:lstStyle/>
+          <a:p>
+            <a:r>
+              <a:rPr lang="en-GB" altLang="zh-TW" dirty="0"/>
+              <a:t>Example : for </a:t>
+            </a:r>
+            <a:r>
+              <a:rPr lang="en-GB" altLang="zh-TW" dirty="0">
+                <a:solidFill>
+                  <a:srgbClr val="FF0000"/>
+                </a:solidFill>
+              </a:rPr>
+              <a:t>undirected</a:t>
+            </a:r>
+            <a:r>
+              <a:rPr lang="en-GB" altLang="zh-TW" dirty="0"/>
+              <a:t> graph</a:t>
+            </a:r>
+            <a:endParaRPr lang="zh-TW" altLang="en-US" dirty="0"/>
+          </a:p>
+        </p:txBody>
+      </p:sp>
+      <p:sp>
+        <p:nvSpPr>
+          <p:cNvPr id="3" name="Content Placeholder 2">
+            <a:extLst>
+              <a:ext uri="{FF2B5EF4-FFF2-40B4-BE49-F238E27FC236}">
+                <a16:creationId xmlns:a16="http://schemas.microsoft.com/office/drawing/2014/main" id="{47E0A5F2-67E0-4FFE-8198-FAE7067D0122}"/>
+              </a:ext>
+            </a:extLst>
+          </p:cNvPr>
+          <p:cNvSpPr>
+            <a:spLocks noGrp="1"/>
+          </p:cNvSpPr>
+          <p:nvPr>
+            <p:ph idx="1"/>
+          </p:nvPr>
+        </p:nvSpPr>
+        <p:spPr/>
+        <p:txBody>
+          <a:bodyPr/>
+          <a:lstStyle/>
+          <a:p>
+            <a:endParaRPr lang="zh-TW" altLang="en-US" dirty="0"/>
+          </a:p>
+        </p:txBody>
+      </p:sp>
+      <p:pic>
+        <p:nvPicPr>
+          <p:cNvPr id="4" name="Picture 3">
+            <a:extLst>
+              <a:ext uri="{FF2B5EF4-FFF2-40B4-BE49-F238E27FC236}">
+                <a16:creationId xmlns:a16="http://schemas.microsoft.com/office/drawing/2014/main" id="{14CCD50B-C94B-4687-8D0A-C6C1112A84C8}"/>
+              </a:ext>
+            </a:extLst>
+          </p:cNvPr>
+          <p:cNvPicPr>
+            <a:picLocks noChangeAspect="1"/>
+          </p:cNvPicPr>
+          <p:nvPr/>
+        </p:nvPicPr>
+        <p:blipFill>
+          <a:blip r:embed="rId2"/>
+          <a:stretch>
+            <a:fillRect/>
+          </a:stretch>
+        </p:blipFill>
+        <p:spPr>
+          <a:xfrm>
+            <a:off x="3399754" y="2100488"/>
+            <a:ext cx="5708286" cy="3980584"/>
+          </a:xfrm>
+          <a:prstGeom prst="rect">
+            <a:avLst/>
+          </a:prstGeom>
+        </p:spPr>
+      </p:pic>
+    </p:spTree>
+    <p:extLst>
+      <p:ext uri="{BB962C8B-B14F-4D97-AF65-F5344CB8AC3E}">
+        <p14:creationId xmlns:p14="http://schemas.microsoft.com/office/powerpoint/2010/main" val="1009350240"/>
+      </p:ext>
+    </p:extLst>
+  </p:cSld>
+  <p:clrMapOvr>
+    <a:masterClrMapping/>
+  </p:clrMapOvr>
+</p:sld>
+</file>
+
+<file path=ppt/slides/slide13.xml><?xml version="1.0" encoding="utf-8"?>
+<p:sld xmlns:a="http://schemas.openxmlformats.org/drawingml/2006/main" xmlns:r="http://schemas.openxmlformats.org/officeDocument/2006/relationships" xmlns:p="http://schemas.openxmlformats.org/presentationml/2006/main">
+  <p:cSld>
+    <p:spTree>
+      <p:nvGrpSpPr>
+        <p:cNvPr id="1" name=""/>
+        <p:cNvGrpSpPr/>
+        <p:nvPr/>
+      </p:nvGrpSpPr>
+      <p:grpSpPr>
+        <a:xfrm>
+          <a:off x="0" y="0"/>
+          <a:ext cx="0" cy="0"/>
+          <a:chOff x="0" y="0"/>
+          <a:chExt cx="0" cy="0"/>
+        </a:xfrm>
+      </p:grpSpPr>
+      <p:sp>
+        <p:nvSpPr>
+          <p:cNvPr id="2" name="Title 1">
+            <a:extLst>
+              <a:ext uri="{FF2B5EF4-FFF2-40B4-BE49-F238E27FC236}">
+                <a16:creationId xmlns:a16="http://schemas.microsoft.com/office/drawing/2014/main" id="{6E1DFD0C-C907-4759-84B6-6904156B52DB}"/>
+              </a:ext>
+            </a:extLst>
+          </p:cNvPr>
+          <p:cNvSpPr>
+            <a:spLocks noGrp="1"/>
+          </p:cNvSpPr>
+          <p:nvPr>
+            <p:ph type="title"/>
+          </p:nvPr>
+        </p:nvSpPr>
+        <p:spPr/>
+        <p:txBody>
+          <a:bodyPr/>
+          <a:lstStyle/>
+          <a:p>
+            <a:endParaRPr lang="zh-TW" altLang="en-US"/>
+          </a:p>
+        </p:txBody>
+      </p:sp>
+      <p:sp>
+        <p:nvSpPr>
+          <p:cNvPr id="3" name="Content Placeholder 2">
+            <a:extLst>
+              <a:ext uri="{FF2B5EF4-FFF2-40B4-BE49-F238E27FC236}">
+                <a16:creationId xmlns:a16="http://schemas.microsoft.com/office/drawing/2014/main" id="{C7E935B5-50D5-4508-9815-68FB26630E2F}"/>
+              </a:ext>
+            </a:extLst>
+          </p:cNvPr>
+          <p:cNvSpPr>
+            <a:spLocks noGrp="1"/>
+          </p:cNvSpPr>
+          <p:nvPr>
+            <p:ph idx="1"/>
+          </p:nvPr>
+        </p:nvSpPr>
+        <p:spPr/>
+        <p:txBody>
+          <a:bodyPr/>
+          <a:lstStyle/>
+          <a:p>
+            <a:endParaRPr lang="zh-TW" altLang="en-US"/>
+          </a:p>
+        </p:txBody>
+      </p:sp>
+      <p:pic>
+        <p:nvPicPr>
+          <p:cNvPr id="4" name="Picture 3">
+            <a:extLst>
+              <a:ext uri="{FF2B5EF4-FFF2-40B4-BE49-F238E27FC236}">
+                <a16:creationId xmlns:a16="http://schemas.microsoft.com/office/drawing/2014/main" id="{873F3465-3AA2-4D6B-81BD-73388D7FB1B6}"/>
+              </a:ext>
+            </a:extLst>
+          </p:cNvPr>
+          <p:cNvPicPr>
+            <a:picLocks noChangeAspect="1"/>
+          </p:cNvPicPr>
+          <p:nvPr/>
+        </p:nvPicPr>
+        <p:blipFill>
+          <a:blip r:embed="rId2"/>
+          <a:stretch>
+            <a:fillRect/>
+          </a:stretch>
+        </p:blipFill>
+        <p:spPr>
+          <a:xfrm>
+            <a:off x="1762599" y="1960813"/>
+            <a:ext cx="9433885" cy="3854359"/>
+          </a:xfrm>
+          <a:prstGeom prst="rect">
+            <a:avLst/>
+          </a:prstGeom>
+        </p:spPr>
+      </p:pic>
+    </p:spTree>
+    <p:extLst>
+      <p:ext uri="{BB962C8B-B14F-4D97-AF65-F5344CB8AC3E}">
+        <p14:creationId xmlns:p14="http://schemas.microsoft.com/office/powerpoint/2010/main" val="3028651665"/>
+      </p:ext>
+    </p:extLst>
+  </p:cSld>
+  <p:clrMapOvr>
+    <a:masterClrMapping/>
+  </p:clrMapOvr>
+</p:sld>
+</file>
+
+<file path=ppt/slides/slide14.xml><?xml version="1.0" encoding="utf-8"?>
+<p:sld xmlns:a="http://schemas.openxmlformats.org/drawingml/2006/main" xmlns:r="http://schemas.openxmlformats.org/officeDocument/2006/relationships" xmlns:p="http://schemas.openxmlformats.org/presentationml/2006/main">
+  <p:cSld>
+    <p:spTree>
+      <p:nvGrpSpPr>
+        <p:cNvPr id="1" name=""/>
+        <p:cNvGrpSpPr/>
+        <p:nvPr/>
+      </p:nvGrpSpPr>
+      <p:grpSpPr>
+        <a:xfrm>
+          <a:off x="0" y="0"/>
+          <a:ext cx="0" cy="0"/>
+          <a:chOff x="0" y="0"/>
+          <a:chExt cx="0" cy="0"/>
+        </a:xfrm>
+      </p:grpSpPr>
+      <p:sp>
+        <p:nvSpPr>
+          <p:cNvPr id="2" name="Title 1">
+            <a:extLst>
+              <a:ext uri="{FF2B5EF4-FFF2-40B4-BE49-F238E27FC236}">
+                <a16:creationId xmlns:a16="http://schemas.microsoft.com/office/drawing/2014/main" id="{F6FE5FD4-DAA1-4580-88C2-42CAE55BA7D7}"/>
+              </a:ext>
+            </a:extLst>
+          </p:cNvPr>
+          <p:cNvSpPr>
+            <a:spLocks noGrp="1"/>
+          </p:cNvSpPr>
+          <p:nvPr>
+            <p:ph type="title"/>
+          </p:nvPr>
+        </p:nvSpPr>
+        <p:spPr/>
+        <p:txBody>
+          <a:bodyPr/>
+          <a:lstStyle/>
+          <a:p>
+            <a:endParaRPr lang="zh-TW" altLang="en-US"/>
+          </a:p>
+        </p:txBody>
+      </p:sp>
+      <p:sp>
+        <p:nvSpPr>
+          <p:cNvPr id="3" name="Content Placeholder 2">
+            <a:extLst>
+              <a:ext uri="{FF2B5EF4-FFF2-40B4-BE49-F238E27FC236}">
+                <a16:creationId xmlns:a16="http://schemas.microsoft.com/office/drawing/2014/main" id="{7BDB617C-2A22-42D8-8A57-2B382C27ED69}"/>
+              </a:ext>
+            </a:extLst>
+          </p:cNvPr>
+          <p:cNvSpPr>
+            <a:spLocks noGrp="1"/>
+          </p:cNvSpPr>
+          <p:nvPr>
+            <p:ph idx="1"/>
+          </p:nvPr>
+        </p:nvSpPr>
+        <p:spPr/>
+        <p:txBody>
+          <a:bodyPr/>
+          <a:lstStyle/>
+          <a:p>
+            <a:r>
+              <a:rPr lang="en-GB" altLang="zh-TW" dirty="0"/>
+              <a:t>We can show that there exists a spanning tree for any </a:t>
+            </a:r>
+            <a:r>
+              <a:rPr lang="en-GB" altLang="zh-TW" dirty="0">
+                <a:solidFill>
+                  <a:srgbClr val="FF0000"/>
+                </a:solidFill>
+              </a:rPr>
+              <a:t>connected undirected graph.</a:t>
+            </a:r>
+          </a:p>
+          <a:p>
+            <a:endParaRPr lang="en-GB" altLang="zh-TW" dirty="0">
+              <a:solidFill>
+                <a:srgbClr val="FF0000"/>
+              </a:solidFill>
+            </a:endParaRPr>
+          </a:p>
+          <a:p>
+            <a:r>
+              <a:rPr lang="en-GB" altLang="zh-TW" dirty="0"/>
+              <a:t>If the graph is not connected, then there will be multiple spanning trees.</a:t>
+            </a:r>
+            <a:endParaRPr lang="zh-TW" altLang="en-US" dirty="0"/>
+          </a:p>
+        </p:txBody>
+      </p:sp>
+    </p:spTree>
+    <p:extLst>
+      <p:ext uri="{BB962C8B-B14F-4D97-AF65-F5344CB8AC3E}">
+        <p14:creationId xmlns:p14="http://schemas.microsoft.com/office/powerpoint/2010/main" val="3236622502"/>
+      </p:ext>
+    </p:extLst>
+  </p:cSld>
+  <p:clrMapOvr>
+    <a:masterClrMapping/>
+  </p:clrMapOvr>
+</p:sld>
+</file>
+
+<file path=ppt/slides/slide15.xml><?xml version="1.0" encoding="utf-8"?>
+<p:sld xmlns:a="http://schemas.openxmlformats.org/drawingml/2006/main" xmlns:r="http://schemas.openxmlformats.org/officeDocument/2006/relationships" xmlns:p="http://schemas.openxmlformats.org/presentationml/2006/main">
+  <p:cSld>
+    <p:spTree>
+      <p:nvGrpSpPr>
+        <p:cNvPr id="1" name=""/>
+        <p:cNvGrpSpPr/>
+        <p:nvPr/>
+      </p:nvGrpSpPr>
+      <p:grpSpPr>
+        <a:xfrm>
+          <a:off x="0" y="0"/>
+          <a:ext cx="0" cy="0"/>
+          <a:chOff x="0" y="0"/>
+          <a:chExt cx="0" cy="0"/>
+        </a:xfrm>
+      </p:grpSpPr>
+      <p:sp>
+        <p:nvSpPr>
+          <p:cNvPr id="2" name="Title 1">
+            <a:extLst>
+              <a:ext uri="{FF2B5EF4-FFF2-40B4-BE49-F238E27FC236}">
+                <a16:creationId xmlns:a16="http://schemas.microsoft.com/office/drawing/2014/main" id="{DF3F27E6-0CC1-495A-BD11-96874B5C6C2F}"/>
+              </a:ext>
+            </a:extLst>
+          </p:cNvPr>
+          <p:cNvSpPr>
+            <a:spLocks noGrp="1"/>
+          </p:cNvSpPr>
+          <p:nvPr>
+            <p:ph type="title"/>
+          </p:nvPr>
+        </p:nvSpPr>
+        <p:spPr/>
+        <p:txBody>
+          <a:bodyPr/>
+          <a:lstStyle/>
+          <a:p>
+            <a:r>
+              <a:rPr lang="en-GB" altLang="zh-TW" dirty="0"/>
+              <a:t>Minimum spanning tree (MST)</a:t>
+            </a:r>
+            <a:endParaRPr lang="zh-TW" altLang="en-US" dirty="0"/>
+          </a:p>
+        </p:txBody>
+      </p:sp>
+      <p:sp>
+        <p:nvSpPr>
+          <p:cNvPr id="3" name="Content Placeholder 2">
+            <a:extLst>
+              <a:ext uri="{FF2B5EF4-FFF2-40B4-BE49-F238E27FC236}">
+                <a16:creationId xmlns:a16="http://schemas.microsoft.com/office/drawing/2014/main" id="{44C50531-DD1E-4560-A73B-4696F4254529}"/>
+              </a:ext>
+            </a:extLst>
+          </p:cNvPr>
+          <p:cNvSpPr>
+            <a:spLocks noGrp="1"/>
+          </p:cNvSpPr>
+          <p:nvPr>
+            <p:ph idx="1"/>
+          </p:nvPr>
+        </p:nvSpPr>
+        <p:spPr/>
+        <p:txBody>
+          <a:bodyPr/>
+          <a:lstStyle/>
+          <a:p>
+            <a:r>
+              <a:rPr lang="en-GB" altLang="zh-TW" dirty="0"/>
+              <a:t>A spanning tree with minimal weight</a:t>
+            </a:r>
+          </a:p>
+          <a:p>
+            <a:endParaRPr lang="en-GB" altLang="zh-TW" dirty="0"/>
+          </a:p>
+          <a:p>
+            <a:r>
+              <a:rPr lang="en-GB" altLang="zh-TW" dirty="0"/>
+              <a:t>There can be multiple as well.</a:t>
+            </a:r>
+            <a:endParaRPr lang="zh-TW" altLang="en-US" dirty="0"/>
+          </a:p>
+        </p:txBody>
+      </p:sp>
+      <p:pic>
+        <p:nvPicPr>
+          <p:cNvPr id="4" name="Picture 3">
+            <a:extLst>
+              <a:ext uri="{FF2B5EF4-FFF2-40B4-BE49-F238E27FC236}">
+                <a16:creationId xmlns:a16="http://schemas.microsoft.com/office/drawing/2014/main" id="{1CD4C6D6-5853-477B-BD8E-AB1ADF6AA1B2}"/>
+              </a:ext>
+            </a:extLst>
+          </p:cNvPr>
+          <p:cNvPicPr>
+            <a:picLocks noChangeAspect="1"/>
+          </p:cNvPicPr>
+          <p:nvPr/>
+        </p:nvPicPr>
+        <p:blipFill>
+          <a:blip r:embed="rId2"/>
+          <a:stretch>
+            <a:fillRect/>
+          </a:stretch>
+        </p:blipFill>
+        <p:spPr>
+          <a:xfrm>
+            <a:off x="6282897" y="2519434"/>
+            <a:ext cx="5516973" cy="4135473"/>
+          </a:xfrm>
+          <a:prstGeom prst="rect">
+            <a:avLst/>
+          </a:prstGeom>
+        </p:spPr>
+      </p:pic>
+    </p:spTree>
+    <p:extLst>
+      <p:ext uri="{BB962C8B-B14F-4D97-AF65-F5344CB8AC3E}">
+        <p14:creationId xmlns:p14="http://schemas.microsoft.com/office/powerpoint/2010/main" val="4071402759"/>
+      </p:ext>
+    </p:extLst>
+  </p:cSld>
+  <p:clrMapOvr>
+    <a:masterClrMapping/>
+  </p:clrMapOvr>
+</p:sld>
+</file>
+
+<file path=ppt/slides/slide16.xml><?xml version="1.0" encoding="utf-8"?>
+<p:sld xmlns:a="http://schemas.openxmlformats.org/drawingml/2006/main" xmlns:r="http://schemas.openxmlformats.org/officeDocument/2006/relationships" xmlns:p="http://schemas.openxmlformats.org/presentationml/2006/main">
+  <p:cSld>
+    <p:spTree>
+      <p:nvGrpSpPr>
+        <p:cNvPr id="1" name=""/>
+        <p:cNvGrpSpPr/>
+        <p:nvPr/>
+      </p:nvGrpSpPr>
+      <p:grpSpPr>
+        <a:xfrm>
+          <a:off x="0" y="0"/>
+          <a:ext cx="0" cy="0"/>
+          <a:chOff x="0" y="0"/>
+          <a:chExt cx="0" cy="0"/>
+        </a:xfrm>
+      </p:grpSpPr>
+      <p:sp>
+        <p:nvSpPr>
+          <p:cNvPr id="2" name="Title 1">
+            <a:extLst>
+              <a:ext uri="{FF2B5EF4-FFF2-40B4-BE49-F238E27FC236}">
+                <a16:creationId xmlns:a16="http://schemas.microsoft.com/office/drawing/2014/main" id="{F534A301-7837-4DB2-899D-7A26133AB040}"/>
+              </a:ext>
+            </a:extLst>
+          </p:cNvPr>
+          <p:cNvSpPr>
+            <a:spLocks noGrp="1"/>
+          </p:cNvSpPr>
+          <p:nvPr>
+            <p:ph type="title"/>
+          </p:nvPr>
+        </p:nvSpPr>
+        <p:spPr/>
+        <p:txBody>
+          <a:bodyPr/>
+          <a:lstStyle/>
+          <a:p>
+            <a:r>
+              <a:rPr lang="en-GB" altLang="zh-TW" dirty="0"/>
+              <a:t>Kruskal’s algorithm</a:t>
+            </a:r>
+            <a:endParaRPr lang="zh-TW" altLang="en-US" dirty="0"/>
+          </a:p>
+        </p:txBody>
+      </p:sp>
+      <p:sp>
+        <p:nvSpPr>
+          <p:cNvPr id="3" name="Content Placeholder 2">
+            <a:extLst>
+              <a:ext uri="{FF2B5EF4-FFF2-40B4-BE49-F238E27FC236}">
+                <a16:creationId xmlns:a16="http://schemas.microsoft.com/office/drawing/2014/main" id="{BB9368F8-D09C-4E06-A2B8-C2FBA684F6E7}"/>
+              </a:ext>
+            </a:extLst>
+          </p:cNvPr>
+          <p:cNvSpPr>
+            <a:spLocks noGrp="1"/>
+          </p:cNvSpPr>
+          <p:nvPr>
+            <p:ph idx="1"/>
+          </p:nvPr>
+        </p:nvSpPr>
+        <p:spPr/>
+        <p:txBody>
+          <a:bodyPr/>
+          <a:lstStyle/>
+          <a:p>
+            <a:r>
+              <a:rPr lang="en-GB" altLang="zh-TW" dirty="0"/>
+              <a:t>Consider two disjoint trees in the graph, if we want to merge them, then it is better connecting them with the edge with minimal weight.</a:t>
+            </a:r>
+          </a:p>
+          <a:p>
+            <a:endParaRPr lang="en-GB" altLang="zh-TW" dirty="0"/>
+          </a:p>
+          <a:p>
+            <a:r>
+              <a:rPr lang="en-GB" altLang="zh-TW" dirty="0"/>
+              <a:t>Greedy algorithm</a:t>
+            </a:r>
+          </a:p>
+          <a:p>
+            <a:r>
+              <a:rPr lang="en-GB" altLang="zh-TW" dirty="0"/>
+              <a:t>At</a:t>
+            </a:r>
+            <a:r>
+              <a:rPr lang="zh-TW" altLang="en-US" dirty="0"/>
+              <a:t> </a:t>
+            </a:r>
+            <a:r>
+              <a:rPr lang="en-GB" altLang="zh-TW" dirty="0"/>
+              <a:t>the</a:t>
+            </a:r>
+            <a:r>
+              <a:rPr lang="zh-TW" altLang="en-US" dirty="0"/>
+              <a:t> </a:t>
+            </a:r>
+            <a:r>
+              <a:rPr lang="en-GB" altLang="zh-TW" dirty="0"/>
+              <a:t>beginning</a:t>
+            </a:r>
+            <a:r>
+              <a:rPr lang="zh-TW" altLang="en-US" dirty="0"/>
+              <a:t> </a:t>
+            </a:r>
+            <a:r>
+              <a:rPr lang="en-GB" altLang="zh-TW" dirty="0"/>
+              <a:t>every</a:t>
+            </a:r>
+            <a:r>
+              <a:rPr lang="zh-TW" altLang="en-US" dirty="0"/>
+              <a:t> </a:t>
+            </a:r>
+            <a:r>
+              <a:rPr lang="en-GB" altLang="zh-TW" dirty="0"/>
+              <a:t>node</a:t>
+            </a:r>
+            <a:r>
+              <a:rPr lang="zh-TW" altLang="en-US" dirty="0"/>
+              <a:t> </a:t>
+            </a:r>
+            <a:r>
+              <a:rPr lang="en-GB" altLang="zh-TW" dirty="0"/>
+              <a:t>is</a:t>
+            </a:r>
+            <a:r>
+              <a:rPr lang="zh-TW" altLang="en-US" dirty="0"/>
+              <a:t> </a:t>
+            </a:r>
+            <a:r>
+              <a:rPr lang="en-GB" altLang="zh-TW" dirty="0"/>
+              <a:t>a</a:t>
+            </a:r>
+            <a:r>
+              <a:rPr lang="zh-TW" altLang="en-US" dirty="0"/>
+              <a:t> </a:t>
+            </a:r>
+            <a:r>
+              <a:rPr lang="en-GB" altLang="zh-TW" dirty="0"/>
+              <a:t>single</a:t>
+            </a:r>
+            <a:r>
+              <a:rPr lang="zh-TW" altLang="en-US" dirty="0"/>
+              <a:t> </a:t>
+            </a:r>
+            <a:r>
+              <a:rPr lang="en-GB" altLang="zh-TW" dirty="0"/>
+              <a:t>tree,</a:t>
+            </a:r>
+            <a:r>
+              <a:rPr lang="zh-TW" altLang="en-US" dirty="0"/>
+              <a:t> </a:t>
+            </a:r>
+            <a:r>
+              <a:rPr lang="en-GB" altLang="zh-TW" dirty="0"/>
+              <a:t>then we merge them with the minimal edge progressively.</a:t>
+            </a:r>
+          </a:p>
+        </p:txBody>
+      </p:sp>
+    </p:spTree>
+    <p:extLst>
+      <p:ext uri="{BB962C8B-B14F-4D97-AF65-F5344CB8AC3E}">
+        <p14:creationId xmlns:p14="http://schemas.microsoft.com/office/powerpoint/2010/main" val="1068131063"/>
+      </p:ext>
+    </p:extLst>
+  </p:cSld>
+  <p:clrMapOvr>
+    <a:masterClrMapping/>
+  </p:clrMapOvr>
+</p:sld>
+</file>
+
+<file path=ppt/slides/slide17.xml><?xml version="1.0" encoding="utf-8"?>
+<p:sld xmlns:a="http://schemas.openxmlformats.org/drawingml/2006/main" xmlns:r="http://schemas.openxmlformats.org/officeDocument/2006/relationships" xmlns:p="http://schemas.openxmlformats.org/presentationml/2006/main">
+  <p:cSld>
+    <p:spTree>
+      <p:nvGrpSpPr>
+        <p:cNvPr id="1" name=""/>
+        <p:cNvGrpSpPr/>
+        <p:nvPr/>
+      </p:nvGrpSpPr>
+      <p:grpSpPr>
+        <a:xfrm>
+          <a:off x="0" y="0"/>
+          <a:ext cx="0" cy="0"/>
+          <a:chOff x="0" y="0"/>
+          <a:chExt cx="0" cy="0"/>
+        </a:xfrm>
+      </p:grpSpPr>
+      <p:sp>
+        <p:nvSpPr>
+          <p:cNvPr id="2" name="Title 1">
+            <a:extLst>
+              <a:ext uri="{FF2B5EF4-FFF2-40B4-BE49-F238E27FC236}">
+                <a16:creationId xmlns:a16="http://schemas.microsoft.com/office/drawing/2014/main" id="{58175142-2D02-4819-8295-21920A2C43EF}"/>
+              </a:ext>
+            </a:extLst>
+          </p:cNvPr>
+          <p:cNvSpPr>
+            <a:spLocks noGrp="1"/>
+          </p:cNvSpPr>
+          <p:nvPr>
+            <p:ph type="title"/>
+          </p:nvPr>
+        </p:nvSpPr>
+        <p:spPr/>
+        <p:txBody>
+          <a:bodyPr/>
+          <a:lstStyle/>
+          <a:p>
+            <a:r>
+              <a:rPr lang="en-GB" altLang="zh-TW" dirty="0"/>
+              <a:t>C++ implementation</a:t>
+            </a:r>
+            <a:endParaRPr lang="zh-TW" altLang="en-US" dirty="0"/>
+          </a:p>
+        </p:txBody>
+      </p:sp>
+      <p:sp>
+        <p:nvSpPr>
+          <p:cNvPr id="3" name="Content Placeholder 2">
+            <a:extLst>
+              <a:ext uri="{FF2B5EF4-FFF2-40B4-BE49-F238E27FC236}">
+                <a16:creationId xmlns:a16="http://schemas.microsoft.com/office/drawing/2014/main" id="{7EB9ACFB-52B1-40E8-899D-F0BC41096B17}"/>
+              </a:ext>
+            </a:extLst>
+          </p:cNvPr>
+          <p:cNvSpPr>
+            <a:spLocks noGrp="1"/>
+          </p:cNvSpPr>
+          <p:nvPr>
+            <p:ph idx="1"/>
+          </p:nvPr>
+        </p:nvSpPr>
+        <p:spPr/>
+        <p:txBody>
+          <a:bodyPr/>
+          <a:lstStyle/>
+          <a:p>
+            <a:r>
+              <a:rPr lang="en-GB" altLang="zh-TW" dirty="0"/>
+              <a:t>Using disjoint sets</a:t>
+            </a:r>
+            <a:endParaRPr lang="zh-TW" altLang="en-US" dirty="0"/>
+          </a:p>
+        </p:txBody>
+      </p:sp>
+    </p:spTree>
+    <p:extLst>
+      <p:ext uri="{BB962C8B-B14F-4D97-AF65-F5344CB8AC3E}">
+        <p14:creationId xmlns:p14="http://schemas.microsoft.com/office/powerpoint/2010/main" val="2560625577"/>
+      </p:ext>
+    </p:extLst>
+  </p:cSld>
+  <p:clrMapOvr>
+    <a:masterClrMapping/>
+  </p:clrMapOvr>
+</p:sld>
+</file>
+
+<file path=ppt/slides/slide18.xml><?xml version="1.0" encoding="utf-8"?>
+<p:sld xmlns:a="http://schemas.openxmlformats.org/drawingml/2006/main" xmlns:r="http://schemas.openxmlformats.org/officeDocument/2006/relationships" xmlns:p="http://schemas.openxmlformats.org/presentationml/2006/main">
+  <p:cSld>
+    <p:spTree>
+      <p:nvGrpSpPr>
+        <p:cNvPr id="1" name=""/>
+        <p:cNvGrpSpPr/>
+        <p:nvPr/>
+      </p:nvGrpSpPr>
+      <p:grpSpPr>
+        <a:xfrm>
+          <a:off x="0" y="0"/>
+          <a:ext cx="0" cy="0"/>
+          <a:chOff x="0" y="0"/>
+          <a:chExt cx="0" cy="0"/>
+        </a:xfrm>
+      </p:grpSpPr>
+      <p:sp>
+        <p:nvSpPr>
+          <p:cNvPr id="2" name="Title 1">
+            <a:extLst>
+              <a:ext uri="{FF2B5EF4-FFF2-40B4-BE49-F238E27FC236}">
+                <a16:creationId xmlns:a16="http://schemas.microsoft.com/office/drawing/2014/main" id="{53EBA3ED-1A38-40B8-82DB-1A7B4EE1B696}"/>
+              </a:ext>
+            </a:extLst>
+          </p:cNvPr>
+          <p:cNvSpPr>
+            <a:spLocks noGrp="1"/>
+          </p:cNvSpPr>
+          <p:nvPr>
+            <p:ph type="title"/>
+          </p:nvPr>
+        </p:nvSpPr>
+        <p:spPr/>
+        <p:txBody>
+          <a:bodyPr/>
+          <a:lstStyle/>
+          <a:p>
+            <a:r>
+              <a:rPr lang="en-GB" altLang="zh-TW" dirty="0"/>
+              <a:t>Result</a:t>
+            </a:r>
+            <a:endParaRPr lang="zh-TW" altLang="en-US" dirty="0"/>
+          </a:p>
+        </p:txBody>
+      </p:sp>
+      <p:sp>
+        <p:nvSpPr>
+          <p:cNvPr id="3" name="Content Placeholder 2">
+            <a:extLst>
+              <a:ext uri="{FF2B5EF4-FFF2-40B4-BE49-F238E27FC236}">
+                <a16:creationId xmlns:a16="http://schemas.microsoft.com/office/drawing/2014/main" id="{959D6D00-3F16-4BC2-9BFB-5A328CFDB95F}"/>
+              </a:ext>
+            </a:extLst>
+          </p:cNvPr>
+          <p:cNvSpPr>
+            <a:spLocks noGrp="1"/>
+          </p:cNvSpPr>
+          <p:nvPr>
+            <p:ph idx="1"/>
+          </p:nvPr>
+        </p:nvSpPr>
+        <p:spPr/>
+        <p:txBody>
+          <a:bodyPr/>
+          <a:lstStyle/>
+          <a:p>
+            <a:r>
+              <a:rPr lang="en-US" altLang="zh-TW" dirty="0"/>
+              <a:t>1 4</a:t>
+            </a:r>
+          </a:p>
+          <a:p>
+            <a:r>
+              <a:rPr lang="en-US" altLang="zh-TW" dirty="0"/>
+              <a:t>4 6</a:t>
+            </a:r>
+          </a:p>
+          <a:p>
+            <a:r>
+              <a:rPr lang="en-US" altLang="zh-TW" dirty="0"/>
+              <a:t>0 5</a:t>
+            </a:r>
+          </a:p>
+          <a:p>
+            <a:r>
+              <a:rPr lang="en-US" altLang="zh-TW" dirty="0"/>
+              <a:t>0 1</a:t>
+            </a:r>
+          </a:p>
+          <a:p>
+            <a:r>
+              <a:rPr lang="en-US" altLang="zh-TW" dirty="0"/>
+              <a:t>2 3</a:t>
+            </a:r>
+          </a:p>
+          <a:p>
+            <a:r>
+              <a:rPr lang="en-US" altLang="zh-TW" dirty="0"/>
+              <a:t>3 4</a:t>
+            </a:r>
+          </a:p>
+          <a:p>
+            <a:r>
+              <a:rPr lang="en-US" altLang="zh-TW" dirty="0"/>
+              <a:t>Minimum weight : 23</a:t>
+            </a:r>
+            <a:endParaRPr lang="zh-TW" altLang="en-US" dirty="0"/>
+          </a:p>
+        </p:txBody>
+      </p:sp>
+      <p:pic>
+        <p:nvPicPr>
+          <p:cNvPr id="4" name="Picture 3">
+            <a:extLst>
+              <a:ext uri="{FF2B5EF4-FFF2-40B4-BE49-F238E27FC236}">
+                <a16:creationId xmlns:a16="http://schemas.microsoft.com/office/drawing/2014/main" id="{9E37A5D7-251B-43AC-B94C-A6F0B140F372}"/>
+              </a:ext>
+            </a:extLst>
+          </p:cNvPr>
+          <p:cNvPicPr>
+            <a:picLocks noChangeAspect="1"/>
+          </p:cNvPicPr>
+          <p:nvPr/>
+        </p:nvPicPr>
+        <p:blipFill>
+          <a:blip r:embed="rId2"/>
+          <a:stretch>
+            <a:fillRect/>
+          </a:stretch>
+        </p:blipFill>
+        <p:spPr>
+          <a:xfrm>
+            <a:off x="5276029" y="1194068"/>
+            <a:ext cx="5516973" cy="4135473"/>
+          </a:xfrm>
+          <a:prstGeom prst="rect">
+            <a:avLst/>
+          </a:prstGeom>
+        </p:spPr>
+      </p:pic>
+    </p:spTree>
+    <p:extLst>
+      <p:ext uri="{BB962C8B-B14F-4D97-AF65-F5344CB8AC3E}">
+        <p14:creationId xmlns:p14="http://schemas.microsoft.com/office/powerpoint/2010/main" val="2201792395"/>
+      </p:ext>
+    </p:extLst>
+  </p:cSld>
+  <p:clrMapOvr>
+    <a:masterClrMapping/>
+  </p:clrMapOvr>
+</p:sld>
+</file>
+
+<file path=ppt/slides/slide19.xml><?xml version="1.0" encoding="utf-8"?>
+<p:sld xmlns:a="http://schemas.openxmlformats.org/drawingml/2006/main" xmlns:r="http://schemas.openxmlformats.org/officeDocument/2006/relationships" xmlns:p="http://schemas.openxmlformats.org/presentationml/2006/main">
+  <p:cSld>
+    <p:spTree>
+      <p:nvGrpSpPr>
+        <p:cNvPr id="1" name=""/>
+        <p:cNvGrpSpPr/>
+        <p:nvPr/>
+      </p:nvGrpSpPr>
+      <p:grpSpPr>
+        <a:xfrm>
+          <a:off x="0" y="0"/>
+          <a:ext cx="0" cy="0"/>
+          <a:chOff x="0" y="0"/>
+          <a:chExt cx="0" cy="0"/>
+        </a:xfrm>
+      </p:grpSpPr>
+      <p:sp>
+        <p:nvSpPr>
+          <p:cNvPr id="2" name="Title 1">
+            <a:extLst>
+              <a:ext uri="{FF2B5EF4-FFF2-40B4-BE49-F238E27FC236}">
+                <a16:creationId xmlns:a16="http://schemas.microsoft.com/office/drawing/2014/main" id="{D453EBB2-F9C3-4094-829E-98FC6EE41121}"/>
+              </a:ext>
+            </a:extLst>
+          </p:cNvPr>
+          <p:cNvSpPr>
+            <a:spLocks noGrp="1"/>
+          </p:cNvSpPr>
+          <p:nvPr>
+            <p:ph type="title"/>
+          </p:nvPr>
+        </p:nvSpPr>
+        <p:spPr/>
+        <p:txBody>
+          <a:bodyPr/>
+          <a:lstStyle/>
+          <a:p>
+            <a:r>
+              <a:rPr lang="en-GB" altLang="zh-TW" dirty="0"/>
+              <a:t>Correctness</a:t>
+            </a:r>
+            <a:endParaRPr lang="zh-TW" altLang="en-US" dirty="0"/>
+          </a:p>
+        </p:txBody>
+      </p:sp>
+      <p:sp>
+        <p:nvSpPr>
+          <p:cNvPr id="3" name="Content Placeholder 2">
+            <a:extLst>
+              <a:ext uri="{FF2B5EF4-FFF2-40B4-BE49-F238E27FC236}">
+                <a16:creationId xmlns:a16="http://schemas.microsoft.com/office/drawing/2014/main" id="{CE0A6DA5-BE55-458C-8047-A235F8F76A73}"/>
+              </a:ext>
+            </a:extLst>
+          </p:cNvPr>
+          <p:cNvSpPr>
+            <a:spLocks noGrp="1"/>
+          </p:cNvSpPr>
+          <p:nvPr>
+            <p:ph idx="1"/>
+          </p:nvPr>
+        </p:nvSpPr>
+        <p:spPr/>
+        <p:txBody>
+          <a:bodyPr/>
+          <a:lstStyle/>
+          <a:p>
+            <a:r>
+              <a:rPr lang="en-GB" altLang="zh-TW" dirty="0">
+                <a:hlinkClick r:id="rId2"/>
+              </a:rPr>
+              <a:t>http://people.qc.cuny.edu/faculty/christopher.hanusa/courses/634sp12/Documents/KruskalProof.pdf</a:t>
+            </a:r>
+            <a:endParaRPr lang="en-GB" altLang="zh-TW" dirty="0"/>
+          </a:p>
+          <a:p>
+            <a:endParaRPr lang="en-GB" altLang="zh-TW" dirty="0"/>
+          </a:p>
+          <a:p>
+            <a:pPr marL="0" indent="0">
+              <a:buNone/>
+            </a:pPr>
+            <a:endParaRPr lang="zh-TW" altLang="en-US" dirty="0"/>
+          </a:p>
+        </p:txBody>
+      </p:sp>
+    </p:spTree>
+    <p:extLst>
+      <p:ext uri="{BB962C8B-B14F-4D97-AF65-F5344CB8AC3E}">
+        <p14:creationId xmlns:p14="http://schemas.microsoft.com/office/powerpoint/2010/main" val="345973662"/>
+      </p:ext>
+    </p:extLst>
+  </p:cSld>
+  <p:clrMapOvr>
+    <a:masterClrMapping/>
+  </p:clrMapOvr>
+</p:sld>
+</file>
+
 <file path=ppt/slides/slide2.xml><?xml version="1.0" encoding="utf-8"?>
 <p:sld xmlns:a="http://schemas.openxmlformats.org/drawingml/2006/main" xmlns:r="http://schemas.openxmlformats.org/officeDocument/2006/relationships" xmlns:p="http://schemas.openxmlformats.org/presentationml/2006/main">
   <p:cSld>
@@ -3504,7 +4769,7 @@
           <a:p>
             <a:r>
               <a:rPr lang="en-GB" altLang="zh-TW" dirty="0"/>
-              <a:t>How to compute how many liberties a group has?</a:t>
+              <a:t>How to compute how many groups are there?</a:t>
             </a:r>
             <a:endParaRPr lang="zh-TW" altLang="en-US" dirty="0"/>
           </a:p>
@@ -3570,6 +4835,370 @@
 </p:sld>
 </file>
 
+<file path=ppt/slides/slide20.xml><?xml version="1.0" encoding="utf-8"?>
+<p:sld xmlns:a="http://schemas.openxmlformats.org/drawingml/2006/main" xmlns:r="http://schemas.openxmlformats.org/officeDocument/2006/relationships" xmlns:p="http://schemas.openxmlformats.org/presentationml/2006/main">
+  <p:cSld>
+    <p:spTree>
+      <p:nvGrpSpPr>
+        <p:cNvPr id="1" name=""/>
+        <p:cNvGrpSpPr/>
+        <p:nvPr/>
+      </p:nvGrpSpPr>
+      <p:grpSpPr>
+        <a:xfrm>
+          <a:off x="0" y="0"/>
+          <a:ext cx="0" cy="0"/>
+          <a:chOff x="0" y="0"/>
+          <a:chExt cx="0" cy="0"/>
+        </a:xfrm>
+      </p:grpSpPr>
+      <p:sp>
+        <p:nvSpPr>
+          <p:cNvPr id="2" name="Title 1">
+            <a:extLst>
+              <a:ext uri="{FF2B5EF4-FFF2-40B4-BE49-F238E27FC236}">
+                <a16:creationId xmlns:a16="http://schemas.microsoft.com/office/drawing/2014/main" id="{81E92488-F1E8-4F42-B863-53CB0D317A5A}"/>
+              </a:ext>
+            </a:extLst>
+          </p:cNvPr>
+          <p:cNvSpPr>
+            <a:spLocks noGrp="1"/>
+          </p:cNvSpPr>
+          <p:nvPr>
+            <p:ph type="title"/>
+          </p:nvPr>
+        </p:nvSpPr>
+        <p:spPr/>
+        <p:txBody>
+          <a:bodyPr/>
+          <a:lstStyle/>
+          <a:p>
+            <a:r>
+              <a:rPr lang="en-GB" altLang="zh-TW" dirty="0"/>
+              <a:t>Complexity</a:t>
+            </a:r>
+            <a:endParaRPr lang="zh-TW" altLang="en-US" dirty="0"/>
+          </a:p>
+        </p:txBody>
+      </p:sp>
+      <mc:AlternateContent xmlns:mc="http://schemas.openxmlformats.org/markup-compatibility/2006">
+        <mc:Choice xmlns:a14="http://schemas.microsoft.com/office/drawing/2010/main" Requires="a14">
+          <p:sp>
+            <p:nvSpPr>
+              <p:cNvPr id="3" name="Content Placeholder 2">
+                <a:extLst>
+                  <a:ext uri="{FF2B5EF4-FFF2-40B4-BE49-F238E27FC236}">
+                    <a16:creationId xmlns:a16="http://schemas.microsoft.com/office/drawing/2014/main" id="{E836D669-28FB-411F-B9BA-0C84DB506918}"/>
+                  </a:ext>
+                </a:extLst>
+              </p:cNvPr>
+              <p:cNvSpPr>
+                <a:spLocks noGrp="1"/>
+              </p:cNvSpPr>
+              <p:nvPr>
+                <p:ph idx="1"/>
+              </p:nvPr>
+            </p:nvSpPr>
+            <p:spPr/>
+            <p:txBody>
+              <a:bodyPr/>
+              <a:lstStyle/>
+              <a:p>
+                <a:r>
+                  <a:rPr lang="en-GB" altLang="zh-TW" dirty="0"/>
+                  <a:t>Sort the edges : O(</a:t>
+                </a:r>
+                <a:r>
+                  <a:rPr lang="en-GB" altLang="zh-TW" dirty="0" err="1"/>
+                  <a:t>ElogE</a:t>
+                </a:r>
+                <a:r>
+                  <a:rPr lang="en-GB" altLang="zh-TW" dirty="0"/>
+                  <a:t>)</a:t>
+                </a:r>
+              </a:p>
+              <a:p>
+                <a:r>
+                  <a:rPr lang="en-GB" altLang="zh-TW" dirty="0"/>
+                  <a:t>Merge the trees : O(1*V)</a:t>
+                </a:r>
+              </a:p>
+              <a:p>
+                <a:endParaRPr lang="en-GB" altLang="zh-TW" dirty="0"/>
+              </a:p>
+              <a:p>
+                <a:r>
+                  <a:rPr lang="en-GB" altLang="zh-TW" dirty="0"/>
+                  <a:t>Total: </a:t>
+                </a:r>
+                <a:r>
+                  <a:rPr lang="en-GB" altLang="zh-TW" dirty="0">
+                    <a:solidFill>
+                      <a:srgbClr val="FF0000"/>
+                    </a:solidFill>
+                  </a:rPr>
+                  <a:t>O(</a:t>
+                </a:r>
+                <a:r>
+                  <a:rPr lang="en-GB" altLang="zh-TW" dirty="0" err="1">
+                    <a:solidFill>
+                      <a:srgbClr val="FF0000"/>
+                    </a:solidFill>
+                  </a:rPr>
+                  <a:t>ElogE</a:t>
+                </a:r>
+                <a:r>
+                  <a:rPr lang="en-GB" altLang="zh-TW" dirty="0">
+                    <a:solidFill>
+                      <a:srgbClr val="FF0000"/>
+                    </a:solidFill>
+                  </a:rPr>
+                  <a:t>) </a:t>
+                </a:r>
+                <a:r>
+                  <a:rPr lang="en-GB" altLang="zh-TW" dirty="0"/>
+                  <a:t>since </a:t>
+                </a:r>
+                <a14:m>
+                  <m:oMath xmlns:m="http://schemas.openxmlformats.org/officeDocument/2006/math">
+                    <m:f>
+                      <m:fPr>
+                        <m:ctrlPr>
+                          <a:rPr lang="en-GB" altLang="zh-TW" i="1" smtClean="0">
+                            <a:latin typeface="Cambria Math" panose="02040503050406030204" pitchFamily="18" charset="0"/>
+                          </a:rPr>
+                        </m:ctrlPr>
+                      </m:fPr>
+                      <m:num>
+                        <m:r>
+                          <a:rPr lang="en-GB" altLang="zh-TW" b="0" i="1" smtClean="0">
+                            <a:latin typeface="Cambria Math" panose="02040503050406030204" pitchFamily="18" charset="0"/>
+                          </a:rPr>
+                          <m:t>𝑉</m:t>
+                        </m:r>
+                      </m:num>
+                      <m:den>
+                        <m:r>
+                          <a:rPr lang="en-GB" altLang="zh-TW" b="0" i="1" smtClean="0">
+                            <a:latin typeface="Cambria Math" panose="02040503050406030204" pitchFamily="18" charset="0"/>
+                          </a:rPr>
+                          <m:t>2</m:t>
+                        </m:r>
+                      </m:den>
+                    </m:f>
+                    <m:r>
+                      <a:rPr lang="en-GB" altLang="zh-TW" b="0" i="1" smtClean="0">
+                        <a:latin typeface="Cambria Math" panose="02040503050406030204" pitchFamily="18" charset="0"/>
+                      </a:rPr>
+                      <m:t>≤</m:t>
+                    </m:r>
+                    <m:r>
+                      <a:rPr lang="en-GB" altLang="zh-TW" b="0" i="1" smtClean="0">
+                        <a:latin typeface="Cambria Math" panose="02040503050406030204" pitchFamily="18" charset="0"/>
+                      </a:rPr>
+                      <m:t>𝐸</m:t>
+                    </m:r>
+                  </m:oMath>
+                </a14:m>
+                <a:r>
+                  <a:rPr lang="zh-TW" altLang="en-US" dirty="0"/>
+                  <a:t> </a:t>
+                </a:r>
+                <a:r>
+                  <a:rPr lang="en-GB" altLang="zh-TW" dirty="0"/>
+                  <a:t>(connected) and </a:t>
+                </a:r>
+                <a14:m>
+                  <m:oMath xmlns:m="http://schemas.openxmlformats.org/officeDocument/2006/math">
+                    <m:r>
+                      <a:rPr lang="en-GB" altLang="zh-TW" b="0" i="1" smtClean="0">
+                        <a:latin typeface="Cambria Math" panose="02040503050406030204" pitchFamily="18" charset="0"/>
+                      </a:rPr>
+                      <m:t>𝐸</m:t>
+                    </m:r>
+                    <m:r>
+                      <a:rPr lang="en-GB" altLang="zh-TW" b="0" i="1" smtClean="0">
+                        <a:latin typeface="Cambria Math" panose="02040503050406030204" pitchFamily="18" charset="0"/>
+                      </a:rPr>
+                      <m:t>≤</m:t>
+                    </m:r>
+                    <m:sSup>
+                      <m:sSupPr>
+                        <m:ctrlPr>
+                          <a:rPr lang="en-GB" altLang="zh-TW" b="0" i="1" smtClean="0">
+                            <a:latin typeface="Cambria Math" panose="02040503050406030204" pitchFamily="18" charset="0"/>
+                          </a:rPr>
+                        </m:ctrlPr>
+                      </m:sSupPr>
+                      <m:e>
+                        <m:r>
+                          <a:rPr lang="en-GB" altLang="zh-TW" b="0" i="1" smtClean="0">
+                            <a:latin typeface="Cambria Math" panose="02040503050406030204" pitchFamily="18" charset="0"/>
+                          </a:rPr>
+                          <m:t>𝑉</m:t>
+                        </m:r>
+                      </m:e>
+                      <m:sup>
+                        <m:r>
+                          <a:rPr lang="en-GB" altLang="zh-TW" b="0" i="1" smtClean="0">
+                            <a:latin typeface="Cambria Math" panose="02040503050406030204" pitchFamily="18" charset="0"/>
+                          </a:rPr>
+                          <m:t>2</m:t>
+                        </m:r>
+                      </m:sup>
+                    </m:sSup>
+                  </m:oMath>
+                </a14:m>
+                <a:r>
+                  <a:rPr lang="zh-TW" altLang="en-US" dirty="0"/>
+                  <a:t> </a:t>
+                </a:r>
+                <a:r>
+                  <a:rPr lang="en-GB" altLang="zh-TW" dirty="0"/>
+                  <a:t>(true for all graphs)</a:t>
+                </a:r>
+                <a:endParaRPr lang="zh-TW" altLang="en-US" dirty="0"/>
+              </a:p>
+            </p:txBody>
+          </p:sp>
+        </mc:Choice>
+        <mc:Fallback>
+          <p:sp>
+            <p:nvSpPr>
+              <p:cNvPr id="3" name="Content Placeholder 2">
+                <a:extLst>
+                  <a:ext uri="{FF2B5EF4-FFF2-40B4-BE49-F238E27FC236}">
+                    <a16:creationId xmlns:a16="http://schemas.microsoft.com/office/drawing/2014/main" id="{E836D669-28FB-411F-B9BA-0C84DB506918}"/>
+                  </a:ext>
+                </a:extLst>
+              </p:cNvPr>
+              <p:cNvSpPr>
+                <a:spLocks noGrp="1" noRot="1" noChangeAspect="1" noMove="1" noResize="1" noEditPoints="1" noAdjustHandles="1" noChangeArrowheads="1" noChangeShapeType="1" noTextEdit="1"/>
+              </p:cNvSpPr>
+              <p:nvPr>
+                <p:ph idx="1"/>
+              </p:nvPr>
+            </p:nvSpPr>
+            <p:spPr>
+              <a:blipFill>
+                <a:blip r:embed="rId2"/>
+                <a:stretch>
+                  <a:fillRect l="-1043" t="-2241"/>
+                </a:stretch>
+              </a:blipFill>
+            </p:spPr>
+            <p:txBody>
+              <a:bodyPr/>
+              <a:lstStyle/>
+              <a:p>
+                <a:r>
+                  <a:rPr lang="zh-TW" altLang="en-US">
+                    <a:noFill/>
+                  </a:rPr>
+                  <a:t> </a:t>
+                </a:r>
+              </a:p>
+            </p:txBody>
+          </p:sp>
+        </mc:Fallback>
+      </mc:AlternateContent>
+    </p:spTree>
+    <p:extLst>
+      <p:ext uri="{BB962C8B-B14F-4D97-AF65-F5344CB8AC3E}">
+        <p14:creationId xmlns:p14="http://schemas.microsoft.com/office/powerpoint/2010/main" val="2851214909"/>
+      </p:ext>
+    </p:extLst>
+  </p:cSld>
+  <p:clrMapOvr>
+    <a:masterClrMapping/>
+  </p:clrMapOvr>
+</p:sld>
+</file>
+
+<file path=ppt/slides/slide21.xml><?xml version="1.0" encoding="utf-8"?>
+<p:sld xmlns:a="http://schemas.openxmlformats.org/drawingml/2006/main" xmlns:r="http://schemas.openxmlformats.org/officeDocument/2006/relationships" xmlns:p="http://schemas.openxmlformats.org/presentationml/2006/main">
+  <p:cSld>
+    <p:spTree>
+      <p:nvGrpSpPr>
+        <p:cNvPr id="1" name=""/>
+        <p:cNvGrpSpPr/>
+        <p:nvPr/>
+      </p:nvGrpSpPr>
+      <p:grpSpPr>
+        <a:xfrm>
+          <a:off x="0" y="0"/>
+          <a:ext cx="0" cy="0"/>
+          <a:chOff x="0" y="0"/>
+          <a:chExt cx="0" cy="0"/>
+        </a:xfrm>
+      </p:grpSpPr>
+      <p:sp>
+        <p:nvSpPr>
+          <p:cNvPr id="2" name="Title 1">
+            <a:extLst>
+              <a:ext uri="{FF2B5EF4-FFF2-40B4-BE49-F238E27FC236}">
+                <a16:creationId xmlns:a16="http://schemas.microsoft.com/office/drawing/2014/main" id="{13E3A785-60CD-4213-9945-02F952705630}"/>
+              </a:ext>
+            </a:extLst>
+          </p:cNvPr>
+          <p:cNvSpPr>
+            <a:spLocks noGrp="1"/>
+          </p:cNvSpPr>
+          <p:nvPr>
+            <p:ph type="title"/>
+          </p:nvPr>
+        </p:nvSpPr>
+        <p:spPr/>
+        <p:txBody>
+          <a:bodyPr/>
+          <a:lstStyle/>
+          <a:p>
+            <a:r>
+              <a:rPr lang="en-GB" altLang="zh-TW"/>
+              <a:t>Homework</a:t>
+            </a:r>
+            <a:endParaRPr lang="zh-TW" altLang="en-US" dirty="0"/>
+          </a:p>
+        </p:txBody>
+      </p:sp>
+      <p:sp>
+        <p:nvSpPr>
+          <p:cNvPr id="3" name="Content Placeholder 2">
+            <a:extLst>
+              <a:ext uri="{FF2B5EF4-FFF2-40B4-BE49-F238E27FC236}">
+                <a16:creationId xmlns:a16="http://schemas.microsoft.com/office/drawing/2014/main" id="{402530AF-2855-41CD-959D-96F49D11855A}"/>
+              </a:ext>
+            </a:extLst>
+          </p:cNvPr>
+          <p:cNvSpPr>
+            <a:spLocks noGrp="1"/>
+          </p:cNvSpPr>
+          <p:nvPr>
+            <p:ph idx="1"/>
+          </p:nvPr>
+        </p:nvSpPr>
+        <p:spPr/>
+        <p:txBody>
+          <a:bodyPr/>
+          <a:lstStyle/>
+          <a:p>
+            <a:endParaRPr lang="zh-TW" altLang="en-US"/>
+          </a:p>
+        </p:txBody>
+      </p:sp>
+    </p:spTree>
+    <p:extLst>
+      <p:ext uri="{BB962C8B-B14F-4D97-AF65-F5344CB8AC3E}">
+        <p14:creationId xmlns:p14="http://schemas.microsoft.com/office/powerpoint/2010/main" val="2370177544"/>
+      </p:ext>
+    </p:extLst>
+  </p:cSld>
+  <p:clrMapOvr>
+    <a:masterClrMapping/>
+  </p:clrMapOvr>
+</p:sld>
+</file>
+
 <file path=ppt/slides/slide3.xml><?xml version="1.0" encoding="utf-8"?>
 <p:sld xmlns:a="http://schemas.openxmlformats.org/drawingml/2006/main" xmlns:r="http://schemas.openxmlformats.org/officeDocument/2006/relationships" xmlns:p="http://schemas.openxmlformats.org/presentationml/2006/main">
   <p:cSld>
@@ -3745,6 +5374,59 @@
           <a:bodyPr/>
           <a:lstStyle/>
           <a:p>
+            <a:r>
+              <a:rPr lang="en-GB" altLang="zh-TW" dirty="0"/>
+              <a:t>N</a:t>
+            </a:r>
+            <a:r>
+              <a:rPr lang="en-US" altLang="zh-TW" dirty="0"/>
+              <a:t>early constant time (if implemented optimally) to</a:t>
+            </a:r>
+          </a:p>
+          <a:p>
+            <a:endParaRPr lang="en-US" altLang="zh-TW" dirty="0"/>
+          </a:p>
+          <a:p>
+            <a:r>
+              <a:rPr lang="en-GB" altLang="zh-TW" dirty="0"/>
+              <a:t>A</a:t>
+            </a:r>
+            <a:r>
+              <a:rPr lang="en-US" altLang="zh-TW" dirty="0" err="1"/>
+              <a:t>dd</a:t>
+            </a:r>
+            <a:r>
+              <a:rPr lang="en-US" altLang="zh-TW" dirty="0"/>
+              <a:t> new sets</a:t>
+            </a:r>
+          </a:p>
+          <a:p>
+            <a:r>
+              <a:rPr lang="en-GB" altLang="zh-TW" dirty="0"/>
+              <a:t>M</a:t>
+            </a:r>
+            <a:r>
+              <a:rPr lang="en-US" altLang="zh-TW" dirty="0" err="1"/>
+              <a:t>erge</a:t>
+            </a:r>
+            <a:r>
+              <a:rPr lang="en-US" altLang="zh-TW" dirty="0"/>
+              <a:t> </a:t>
+            </a:r>
+            <a:r>
+              <a:rPr lang="en-US" altLang="zh-TW" dirty="0" err="1"/>
+              <a:t>exisiting</a:t>
+            </a:r>
+            <a:r>
+              <a:rPr lang="en-US" altLang="zh-TW" dirty="0"/>
+              <a:t> sets</a:t>
+            </a:r>
+          </a:p>
+          <a:p>
+            <a:r>
+              <a:rPr lang="en-GB" altLang="zh-TW" dirty="0"/>
+              <a:t>Determine if two elements are in the same set</a:t>
+            </a:r>
             <a:endParaRPr lang="zh-TW" altLang="en-US" dirty="0"/>
           </a:p>
         </p:txBody>
@@ -3753,6 +5435,772 @@
     <p:extLst>
       <p:ext uri="{BB962C8B-B14F-4D97-AF65-F5344CB8AC3E}">
         <p14:creationId xmlns:p14="http://schemas.microsoft.com/office/powerpoint/2010/main" val="1378732028"/>
+      </p:ext>
+    </p:extLst>
+  </p:cSld>
+  <p:clrMapOvr>
+    <a:masterClrMapping/>
+  </p:clrMapOvr>
+</p:sld>
+</file>
+
+<file path=ppt/slides/slide5.xml><?xml version="1.0" encoding="utf-8"?>
+<p:sld xmlns:a="http://schemas.openxmlformats.org/drawingml/2006/main" xmlns:r="http://schemas.openxmlformats.org/officeDocument/2006/relationships" xmlns:p="http://schemas.openxmlformats.org/presentationml/2006/main">
+  <p:cSld>
+    <p:spTree>
+      <p:nvGrpSpPr>
+        <p:cNvPr id="1" name=""/>
+        <p:cNvGrpSpPr/>
+        <p:nvPr/>
+      </p:nvGrpSpPr>
+      <p:grpSpPr>
+        <a:xfrm>
+          <a:off x="0" y="0"/>
+          <a:ext cx="0" cy="0"/>
+          <a:chOff x="0" y="0"/>
+          <a:chExt cx="0" cy="0"/>
+        </a:xfrm>
+      </p:grpSpPr>
+      <p:sp>
+        <p:nvSpPr>
+          <p:cNvPr id="2" name="Title 1">
+            <a:extLst>
+              <a:ext uri="{FF2B5EF4-FFF2-40B4-BE49-F238E27FC236}">
+                <a16:creationId xmlns:a16="http://schemas.microsoft.com/office/drawing/2014/main" id="{D37E157F-3353-46D9-95C0-D85E65FA1B33}"/>
+              </a:ext>
+            </a:extLst>
+          </p:cNvPr>
+          <p:cNvSpPr>
+            <a:spLocks noGrp="1"/>
+          </p:cNvSpPr>
+          <p:nvPr>
+            <p:ph type="title"/>
+          </p:nvPr>
+        </p:nvSpPr>
+        <p:spPr/>
+        <p:txBody>
+          <a:bodyPr/>
+          <a:lstStyle/>
+          <a:p>
+            <a:endParaRPr lang="zh-TW" altLang="en-US"/>
+          </a:p>
+        </p:txBody>
+      </p:sp>
+      <p:sp>
+        <p:nvSpPr>
+          <p:cNvPr id="3" name="Content Placeholder 2">
+            <a:extLst>
+              <a:ext uri="{FF2B5EF4-FFF2-40B4-BE49-F238E27FC236}">
+                <a16:creationId xmlns:a16="http://schemas.microsoft.com/office/drawing/2014/main" id="{E153E003-07D3-44FD-BE81-DB9E15BBD77D}"/>
+              </a:ext>
+            </a:extLst>
+          </p:cNvPr>
+          <p:cNvSpPr>
+            <a:spLocks noGrp="1"/>
+          </p:cNvSpPr>
+          <p:nvPr>
+            <p:ph idx="1"/>
+          </p:nvPr>
+        </p:nvSpPr>
+        <p:spPr/>
+        <p:txBody>
+          <a:bodyPr/>
+          <a:lstStyle/>
+          <a:p>
+            <a:r>
+              <a:rPr lang="en-GB" altLang="zh-TW" dirty="0"/>
+              <a:t>Each node has its “root”</a:t>
+            </a:r>
+          </a:p>
+          <a:p>
+            <a:r>
+              <a:rPr lang="en-GB" altLang="zh-TW" dirty="0"/>
+              <a:t>Two elements in the same set : same root</a:t>
+            </a:r>
+          </a:p>
+          <a:p>
+            <a:r>
+              <a:rPr lang="en-GB" altLang="zh-TW" dirty="0"/>
+              <a:t>When merging sets, set the root of one group to be the root of the other</a:t>
+            </a:r>
+            <a:endParaRPr lang="zh-TW" altLang="en-US" dirty="0"/>
+          </a:p>
+        </p:txBody>
+      </p:sp>
+      <p:pic>
+        <p:nvPicPr>
+          <p:cNvPr id="4" name="Picture 3">
+            <a:extLst>
+              <a:ext uri="{FF2B5EF4-FFF2-40B4-BE49-F238E27FC236}">
+                <a16:creationId xmlns:a16="http://schemas.microsoft.com/office/drawing/2014/main" id="{B00B8BDE-5940-493D-AEC3-2470012012B8}"/>
+              </a:ext>
+            </a:extLst>
+          </p:cNvPr>
+          <p:cNvPicPr>
+            <a:picLocks noChangeAspect="1"/>
+          </p:cNvPicPr>
+          <p:nvPr/>
+        </p:nvPicPr>
+        <p:blipFill>
+          <a:blip r:embed="rId2"/>
+          <a:stretch>
+            <a:fillRect/>
+          </a:stretch>
+        </p:blipFill>
+        <p:spPr>
+          <a:xfrm>
+            <a:off x="7274104" y="3553097"/>
+            <a:ext cx="3529174" cy="2817759"/>
+          </a:xfrm>
+          <a:prstGeom prst="rect">
+            <a:avLst/>
+          </a:prstGeom>
+        </p:spPr>
+      </p:pic>
+    </p:spTree>
+    <p:extLst>
+      <p:ext uri="{BB962C8B-B14F-4D97-AF65-F5344CB8AC3E}">
+        <p14:creationId xmlns:p14="http://schemas.microsoft.com/office/powerpoint/2010/main" val="2112580085"/>
+      </p:ext>
+    </p:extLst>
+  </p:cSld>
+  <p:clrMapOvr>
+    <a:masterClrMapping/>
+  </p:clrMapOvr>
+</p:sld>
+</file>
+
+<file path=ppt/slides/slide6.xml><?xml version="1.0" encoding="utf-8"?>
+<p:sld xmlns:a="http://schemas.openxmlformats.org/drawingml/2006/main" xmlns:r="http://schemas.openxmlformats.org/officeDocument/2006/relationships" xmlns:p="http://schemas.openxmlformats.org/presentationml/2006/main">
+  <p:cSld>
+    <p:spTree>
+      <p:nvGrpSpPr>
+        <p:cNvPr id="1" name=""/>
+        <p:cNvGrpSpPr/>
+        <p:nvPr/>
+      </p:nvGrpSpPr>
+      <p:grpSpPr>
+        <a:xfrm>
+          <a:off x="0" y="0"/>
+          <a:ext cx="0" cy="0"/>
+          <a:chOff x="0" y="0"/>
+          <a:chExt cx="0" cy="0"/>
+        </a:xfrm>
+      </p:grpSpPr>
+      <p:sp>
+        <p:nvSpPr>
+          <p:cNvPr id="2" name="Title 1">
+            <a:extLst>
+              <a:ext uri="{FF2B5EF4-FFF2-40B4-BE49-F238E27FC236}">
+                <a16:creationId xmlns:a16="http://schemas.microsoft.com/office/drawing/2014/main" id="{7AD3D9DA-6872-4641-9799-DA117D79226E}"/>
+              </a:ext>
+            </a:extLst>
+          </p:cNvPr>
+          <p:cNvSpPr>
+            <a:spLocks noGrp="1"/>
+          </p:cNvSpPr>
+          <p:nvPr>
+            <p:ph type="title"/>
+          </p:nvPr>
+        </p:nvSpPr>
+        <p:spPr/>
+        <p:txBody>
+          <a:bodyPr/>
+          <a:lstStyle/>
+          <a:p>
+            <a:r>
+              <a:rPr lang="en-GB" altLang="zh-TW" dirty="0"/>
+              <a:t>C++ implementation</a:t>
+            </a:r>
+            <a:endParaRPr lang="zh-TW" altLang="en-US" dirty="0"/>
+          </a:p>
+        </p:txBody>
+      </p:sp>
+      <p:sp>
+        <p:nvSpPr>
+          <p:cNvPr id="3" name="Content Placeholder 2">
+            <a:extLst>
+              <a:ext uri="{FF2B5EF4-FFF2-40B4-BE49-F238E27FC236}">
+                <a16:creationId xmlns:a16="http://schemas.microsoft.com/office/drawing/2014/main" id="{89D07930-0DA9-4829-9EEC-16F0678AD3B5}"/>
+              </a:ext>
+            </a:extLst>
+          </p:cNvPr>
+          <p:cNvSpPr>
+            <a:spLocks noGrp="1"/>
+          </p:cNvSpPr>
+          <p:nvPr>
+            <p:ph idx="1"/>
+          </p:nvPr>
+        </p:nvSpPr>
+        <p:spPr/>
+        <p:txBody>
+          <a:bodyPr/>
+          <a:lstStyle/>
+          <a:p>
+            <a:r>
+              <a:rPr lang="en-GB" altLang="zh-TW" dirty="0"/>
+              <a:t>Using forest</a:t>
+            </a:r>
+          </a:p>
+          <a:p>
+            <a:r>
+              <a:rPr lang="en-GB" altLang="zh-TW" dirty="0"/>
+              <a:t>There are also list/table implementations</a:t>
+            </a:r>
+            <a:endParaRPr lang="zh-TW" altLang="en-US" dirty="0"/>
+          </a:p>
+        </p:txBody>
+      </p:sp>
+    </p:spTree>
+    <p:extLst>
+      <p:ext uri="{BB962C8B-B14F-4D97-AF65-F5344CB8AC3E}">
+        <p14:creationId xmlns:p14="http://schemas.microsoft.com/office/powerpoint/2010/main" val="144870123"/>
+      </p:ext>
+    </p:extLst>
+  </p:cSld>
+  <p:clrMapOvr>
+    <a:masterClrMapping/>
+  </p:clrMapOvr>
+</p:sld>
+</file>
+
+<file path=ppt/slides/slide7.xml><?xml version="1.0" encoding="utf-8"?>
+<p:sld xmlns:a="http://schemas.openxmlformats.org/drawingml/2006/main" xmlns:r="http://schemas.openxmlformats.org/officeDocument/2006/relationships" xmlns:p="http://schemas.openxmlformats.org/presentationml/2006/main">
+  <p:cSld>
+    <p:spTree>
+      <p:nvGrpSpPr>
+        <p:cNvPr id="1" name=""/>
+        <p:cNvGrpSpPr/>
+        <p:nvPr/>
+      </p:nvGrpSpPr>
+      <p:grpSpPr>
+        <a:xfrm>
+          <a:off x="0" y="0"/>
+          <a:ext cx="0" cy="0"/>
+          <a:chOff x="0" y="0"/>
+          <a:chExt cx="0" cy="0"/>
+        </a:xfrm>
+      </p:grpSpPr>
+      <p:sp>
+        <p:nvSpPr>
+          <p:cNvPr id="2" name="Title 1">
+            <a:extLst>
+              <a:ext uri="{FF2B5EF4-FFF2-40B4-BE49-F238E27FC236}">
+                <a16:creationId xmlns:a16="http://schemas.microsoft.com/office/drawing/2014/main" id="{D3EFD311-9339-46D3-BA8E-B2C6C564F082}"/>
+              </a:ext>
+            </a:extLst>
+          </p:cNvPr>
+          <p:cNvSpPr>
+            <a:spLocks noGrp="1"/>
+          </p:cNvSpPr>
+          <p:nvPr>
+            <p:ph type="title"/>
+          </p:nvPr>
+        </p:nvSpPr>
+        <p:spPr/>
+        <p:txBody>
+          <a:bodyPr/>
+          <a:lstStyle/>
+          <a:p>
+            <a:r>
+              <a:rPr lang="en-GB" altLang="zh-TW" dirty="0"/>
+              <a:t>Complexity</a:t>
+            </a:r>
+            <a:endParaRPr lang="zh-TW" altLang="en-US" dirty="0"/>
+          </a:p>
+        </p:txBody>
+      </p:sp>
+      <mc:AlternateContent xmlns:mc="http://schemas.openxmlformats.org/markup-compatibility/2006">
+        <mc:Choice xmlns:a14="http://schemas.microsoft.com/office/drawing/2010/main" Requires="a14">
+          <p:sp>
+            <p:nvSpPr>
+              <p:cNvPr id="3" name="Content Placeholder 2">
+                <a:extLst>
+                  <a:ext uri="{FF2B5EF4-FFF2-40B4-BE49-F238E27FC236}">
+                    <a16:creationId xmlns:a16="http://schemas.microsoft.com/office/drawing/2014/main" id="{C26EAD52-2480-4E6A-A639-E9A474D5343C}"/>
+                  </a:ext>
+                </a:extLst>
+              </p:cNvPr>
+              <p:cNvSpPr>
+                <a:spLocks noGrp="1"/>
+              </p:cNvSpPr>
+              <p:nvPr>
+                <p:ph idx="1"/>
+              </p:nvPr>
+            </p:nvSpPr>
+            <p:spPr/>
+            <p:txBody>
+              <a:bodyPr/>
+              <a:lstStyle/>
+              <a:p>
+                <a:r>
+                  <a:rPr lang="en-GB" altLang="zh-TW" dirty="0"/>
+                  <a:t>We can show that the complexity of m operations of n nodes is </a:t>
+                </a:r>
+              </a:p>
+              <a:p>
+                <a14:m>
+                  <m:oMath xmlns:m="http://schemas.openxmlformats.org/officeDocument/2006/math">
+                    <m:r>
+                      <a:rPr lang="en-GB" altLang="zh-TW" b="0" i="1" smtClean="0">
+                        <a:latin typeface="Cambria Math" panose="02040503050406030204" pitchFamily="18" charset="0"/>
+                      </a:rPr>
+                      <m:t>𝑂</m:t>
+                    </m:r>
+                    <m:r>
+                      <a:rPr lang="en-GB" altLang="zh-TW" b="0" i="1" smtClean="0">
+                        <a:latin typeface="Cambria Math" panose="02040503050406030204" pitchFamily="18" charset="0"/>
+                      </a:rPr>
+                      <m:t>(</m:t>
+                    </m:r>
+                    <m:r>
+                      <a:rPr lang="en-GB" altLang="zh-TW" b="0" i="1" smtClean="0">
+                        <a:latin typeface="Cambria Math" panose="02040503050406030204" pitchFamily="18" charset="0"/>
+                      </a:rPr>
+                      <m:t>𝑚</m:t>
+                    </m:r>
+                    <m:r>
+                      <a:rPr lang="en-GB" altLang="zh-TW" b="0" i="1" smtClean="0">
+                        <a:latin typeface="Cambria Math" panose="02040503050406030204" pitchFamily="18" charset="0"/>
+                      </a:rPr>
+                      <m:t>∗</m:t>
+                    </m:r>
+                    <m:r>
+                      <a:rPr lang="zh-TW" altLang="en-GB" b="0" i="1" smtClean="0">
+                        <a:latin typeface="Cambria Math" panose="02040503050406030204" pitchFamily="18" charset="0"/>
+                      </a:rPr>
+                      <m:t>𝛼</m:t>
+                    </m:r>
+                    <m:d>
+                      <m:dPr>
+                        <m:ctrlPr>
+                          <a:rPr lang="en-GB" altLang="zh-TW" b="0" i="1" smtClean="0">
+                            <a:latin typeface="Cambria Math" panose="02040503050406030204" pitchFamily="18" charset="0"/>
+                          </a:rPr>
+                        </m:ctrlPr>
+                      </m:dPr>
+                      <m:e>
+                        <m:r>
+                          <a:rPr lang="en-GB" altLang="zh-TW" b="0" i="1" smtClean="0">
+                            <a:latin typeface="Cambria Math" panose="02040503050406030204" pitchFamily="18" charset="0"/>
+                          </a:rPr>
+                          <m:t>𝑛</m:t>
+                        </m:r>
+                        <m:r>
+                          <a:rPr lang="en-GB" altLang="zh-TW" b="0" i="1" smtClean="0">
+                            <a:latin typeface="Cambria Math" panose="02040503050406030204" pitchFamily="18" charset="0"/>
+                          </a:rPr>
+                          <m:t>,</m:t>
+                        </m:r>
+                        <m:r>
+                          <a:rPr lang="en-GB" altLang="zh-TW" b="0" i="1" smtClean="0">
+                            <a:latin typeface="Cambria Math" panose="02040503050406030204" pitchFamily="18" charset="0"/>
+                          </a:rPr>
+                          <m:t>𝑚</m:t>
+                        </m:r>
+                      </m:e>
+                    </m:d>
+                    <m:r>
+                      <a:rPr lang="en-GB" altLang="zh-TW" b="0" i="1" smtClean="0">
+                        <a:latin typeface="Cambria Math" panose="02040503050406030204" pitchFamily="18" charset="0"/>
+                      </a:rPr>
+                      <m:t>)</m:t>
+                    </m:r>
+                  </m:oMath>
+                </a14:m>
+                <a:endParaRPr lang="en-GB" altLang="zh-TW" dirty="0"/>
+              </a:p>
+              <a:p>
+                <a:endParaRPr lang="en-GB" altLang="zh-TW" dirty="0"/>
+              </a:p>
+              <a:p>
+                <a:r>
+                  <a:rPr lang="en-GB" altLang="zh-TW" dirty="0"/>
+                  <a:t>Where </a:t>
+                </a:r>
+                <a14:m>
+                  <m:oMath xmlns:m="http://schemas.openxmlformats.org/officeDocument/2006/math">
+                    <m:r>
+                      <a:rPr lang="zh-TW" altLang="en-GB" i="1">
+                        <a:latin typeface="Cambria Math" panose="02040503050406030204" pitchFamily="18" charset="0"/>
+                      </a:rPr>
+                      <m:t>𝛼</m:t>
+                    </m:r>
+                  </m:oMath>
+                </a14:m>
+                <a:r>
+                  <a:rPr lang="zh-TW" altLang="en-US" dirty="0"/>
+                  <a:t> </a:t>
+                </a:r>
+                <a:r>
+                  <a:rPr lang="en-US" altLang="zh-TW" dirty="0"/>
+                  <a:t>is the inverse Ackermann function, which grows extremely slow.</a:t>
+                </a:r>
+              </a:p>
+              <a:p>
+                <a:r>
+                  <a:rPr lang="en-GB" altLang="zh-TW" dirty="0"/>
+                  <a:t>T</a:t>
+                </a:r>
+                <a:r>
+                  <a:rPr lang="en-US" altLang="zh-TW" dirty="0"/>
+                  <a:t>he proof can be seen in </a:t>
+                </a:r>
+                <a:r>
+                  <a:rPr lang="en-US" altLang="zh-TW" i="1" dirty="0"/>
+                  <a:t>Thomas H. </a:t>
+                </a:r>
+                <a:r>
+                  <a:rPr lang="en-US" altLang="zh-TW" i="1" dirty="0" err="1"/>
+                  <a:t>Cormen</a:t>
+                </a:r>
+                <a:r>
+                  <a:rPr lang="en-US" altLang="zh-TW" i="1" dirty="0"/>
+                  <a:t>, Charles E. </a:t>
+                </a:r>
+                <a:r>
+                  <a:rPr lang="en-US" altLang="zh-TW" i="1" dirty="0" err="1"/>
+                  <a:t>Leiserson</a:t>
+                </a:r>
+                <a:r>
+                  <a:rPr lang="en-US" altLang="zh-TW" i="1" dirty="0"/>
+                  <a:t>, Ronald L. </a:t>
+                </a:r>
+                <a:r>
+                  <a:rPr lang="en-US" altLang="zh-TW" i="1" dirty="0" err="1"/>
+                  <a:t>Rivest</a:t>
+                </a:r>
+                <a:r>
+                  <a:rPr lang="en-US" altLang="zh-TW" i="1" dirty="0"/>
+                  <a:t>, and Clifford Stein. Introduction to Algorithms, Second Edition. The MIT Press, September 2001.</a:t>
+                </a:r>
+                <a:endParaRPr lang="zh-TW" altLang="en-US" i="1" dirty="0"/>
+              </a:p>
+            </p:txBody>
+          </p:sp>
+        </mc:Choice>
+        <mc:Fallback>
+          <p:sp>
+            <p:nvSpPr>
+              <p:cNvPr id="3" name="Content Placeholder 2">
+                <a:extLst>
+                  <a:ext uri="{FF2B5EF4-FFF2-40B4-BE49-F238E27FC236}">
+                    <a16:creationId xmlns:a16="http://schemas.microsoft.com/office/drawing/2014/main" id="{C26EAD52-2480-4E6A-A639-E9A474D5343C}"/>
+                  </a:ext>
+                </a:extLst>
+              </p:cNvPr>
+              <p:cNvSpPr>
+                <a:spLocks noGrp="1" noRot="1" noChangeAspect="1" noMove="1" noResize="1" noEditPoints="1" noAdjustHandles="1" noChangeArrowheads="1" noChangeShapeType="1" noTextEdit="1"/>
+              </p:cNvSpPr>
+              <p:nvPr>
+                <p:ph idx="1"/>
+              </p:nvPr>
+            </p:nvSpPr>
+            <p:spPr>
+              <a:blipFill>
+                <a:blip r:embed="rId2"/>
+                <a:stretch>
+                  <a:fillRect l="-1043" t="-2241" r="-1565"/>
+                </a:stretch>
+              </a:blipFill>
+            </p:spPr>
+            <p:txBody>
+              <a:bodyPr/>
+              <a:lstStyle/>
+              <a:p>
+                <a:r>
+                  <a:rPr lang="zh-TW" altLang="en-US">
+                    <a:noFill/>
+                  </a:rPr>
+                  <a:t> </a:t>
+                </a:r>
+              </a:p>
+            </p:txBody>
+          </p:sp>
+        </mc:Fallback>
+      </mc:AlternateContent>
+    </p:spTree>
+    <p:extLst>
+      <p:ext uri="{BB962C8B-B14F-4D97-AF65-F5344CB8AC3E}">
+        <p14:creationId xmlns:p14="http://schemas.microsoft.com/office/powerpoint/2010/main" val="3173619970"/>
+      </p:ext>
+    </p:extLst>
+  </p:cSld>
+  <p:clrMapOvr>
+    <a:masterClrMapping/>
+  </p:clrMapOvr>
+</p:sld>
+</file>
+
+<file path=ppt/slides/slide8.xml><?xml version="1.0" encoding="utf-8"?>
+<p:sld xmlns:a="http://schemas.openxmlformats.org/drawingml/2006/main" xmlns:r="http://schemas.openxmlformats.org/officeDocument/2006/relationships" xmlns:p="http://schemas.openxmlformats.org/presentationml/2006/main">
+  <p:cSld>
+    <p:spTree>
+      <p:nvGrpSpPr>
+        <p:cNvPr id="1" name=""/>
+        <p:cNvGrpSpPr/>
+        <p:nvPr/>
+      </p:nvGrpSpPr>
+      <p:grpSpPr>
+        <a:xfrm>
+          <a:off x="0" y="0"/>
+          <a:ext cx="0" cy="0"/>
+          <a:chOff x="0" y="0"/>
+          <a:chExt cx="0" cy="0"/>
+        </a:xfrm>
+      </p:grpSpPr>
+      <p:sp>
+        <p:nvSpPr>
+          <p:cNvPr id="2" name="Title 1">
+            <a:extLst>
+              <a:ext uri="{FF2B5EF4-FFF2-40B4-BE49-F238E27FC236}">
+                <a16:creationId xmlns:a16="http://schemas.microsoft.com/office/drawing/2014/main" id="{C19CAB5D-591D-44F9-8C07-D2835220861B}"/>
+              </a:ext>
+            </a:extLst>
+          </p:cNvPr>
+          <p:cNvSpPr>
+            <a:spLocks noGrp="1"/>
+          </p:cNvSpPr>
+          <p:nvPr>
+            <p:ph type="title"/>
+          </p:nvPr>
+        </p:nvSpPr>
+        <p:spPr/>
+        <p:txBody>
+          <a:bodyPr/>
+          <a:lstStyle/>
+          <a:p>
+            <a:r>
+              <a:rPr lang="en-GB" altLang="zh-TW" dirty="0"/>
+              <a:t>Exercise</a:t>
+            </a:r>
+            <a:endParaRPr lang="zh-TW" altLang="en-US" dirty="0"/>
+          </a:p>
+        </p:txBody>
+      </p:sp>
+      <p:sp>
+        <p:nvSpPr>
+          <p:cNvPr id="3" name="Content Placeholder 2">
+            <a:extLst>
+              <a:ext uri="{FF2B5EF4-FFF2-40B4-BE49-F238E27FC236}">
+                <a16:creationId xmlns:a16="http://schemas.microsoft.com/office/drawing/2014/main" id="{A2AABEB8-D693-4379-8066-FDE25464D170}"/>
+              </a:ext>
+            </a:extLst>
+          </p:cNvPr>
+          <p:cNvSpPr>
+            <a:spLocks noGrp="1"/>
+          </p:cNvSpPr>
+          <p:nvPr>
+            <p:ph idx="1"/>
+          </p:nvPr>
+        </p:nvSpPr>
+        <p:spPr/>
+        <p:txBody>
+          <a:bodyPr/>
+          <a:lstStyle/>
+          <a:p>
+            <a:r>
+              <a:rPr lang="en-GB" altLang="zh-TW" dirty="0"/>
+              <a:t>Write a method set&lt;Node*&gt; classes(set&lt;Node*&gt; s) which returns the set of representatives</a:t>
+            </a:r>
+          </a:p>
+          <a:p>
+            <a:endParaRPr lang="en-GB" altLang="zh-TW" dirty="0"/>
+          </a:p>
+          <a:p>
+            <a:r>
+              <a:rPr lang="en-GB" altLang="zh-TW" dirty="0"/>
+              <a:t>Derive a method </a:t>
+            </a:r>
+            <a:r>
+              <a:rPr lang="en-GB" altLang="zh-TW" dirty="0" err="1"/>
+              <a:t>nClasses</a:t>
+            </a:r>
+            <a:r>
+              <a:rPr lang="en-GB" altLang="zh-TW" dirty="0"/>
+              <a:t>(set&lt;Node*&gt; s) which returns the total number of classes</a:t>
+            </a:r>
+          </a:p>
+          <a:p>
+            <a:endParaRPr lang="en-GB" altLang="zh-TW" dirty="0"/>
+          </a:p>
+          <a:p>
+            <a:r>
+              <a:rPr lang="en-GB" altLang="zh-TW" dirty="0"/>
+              <a:t>What’s your program’s complexity?</a:t>
+            </a:r>
+          </a:p>
+          <a:p>
+            <a:r>
+              <a:rPr lang="en-GB" altLang="zh-TW" dirty="0"/>
+              <a:t>Can we improve this by modifying “</a:t>
+            </a:r>
+            <a:r>
+              <a:rPr lang="en-GB" altLang="zh-TW" dirty="0" err="1"/>
+              <a:t>uni</a:t>
+            </a:r>
+            <a:r>
+              <a:rPr lang="en-GB" altLang="zh-TW" dirty="0"/>
+              <a:t>”?</a:t>
+            </a:r>
+            <a:endParaRPr lang="zh-TW" altLang="en-US" dirty="0"/>
+          </a:p>
+        </p:txBody>
+      </p:sp>
+    </p:spTree>
+    <p:extLst>
+      <p:ext uri="{BB962C8B-B14F-4D97-AF65-F5344CB8AC3E}">
+        <p14:creationId xmlns:p14="http://schemas.microsoft.com/office/powerpoint/2010/main" val="2316567758"/>
+      </p:ext>
+    </p:extLst>
+  </p:cSld>
+  <p:clrMapOvr>
+    <a:masterClrMapping/>
+  </p:clrMapOvr>
+</p:sld>
+</file>
+
+<file path=ppt/slides/slide9.xml><?xml version="1.0" encoding="utf-8"?>
+<p:sld xmlns:a="http://schemas.openxmlformats.org/drawingml/2006/main" xmlns:r="http://schemas.openxmlformats.org/officeDocument/2006/relationships" xmlns:p="http://schemas.openxmlformats.org/presentationml/2006/main">
+  <p:cSld>
+    <p:spTree>
+      <p:nvGrpSpPr>
+        <p:cNvPr id="1" name=""/>
+        <p:cNvGrpSpPr/>
+        <p:nvPr/>
+      </p:nvGrpSpPr>
+      <p:grpSpPr>
+        <a:xfrm>
+          <a:off x="0" y="0"/>
+          <a:ext cx="0" cy="0"/>
+          <a:chOff x="0" y="0"/>
+          <a:chExt cx="0" cy="0"/>
+        </a:xfrm>
+      </p:grpSpPr>
+      <p:sp>
+        <p:nvSpPr>
+          <p:cNvPr id="2" name="Title 1">
+            <a:extLst>
+              <a:ext uri="{FF2B5EF4-FFF2-40B4-BE49-F238E27FC236}">
+                <a16:creationId xmlns:a16="http://schemas.microsoft.com/office/drawing/2014/main" id="{20C4BE51-7843-4911-B6A7-B3D41CD211FC}"/>
+              </a:ext>
+            </a:extLst>
+          </p:cNvPr>
+          <p:cNvSpPr>
+            <a:spLocks noGrp="1"/>
+          </p:cNvSpPr>
+          <p:nvPr>
+            <p:ph type="title"/>
+          </p:nvPr>
+        </p:nvSpPr>
+        <p:spPr/>
+        <p:txBody>
+          <a:bodyPr/>
+          <a:lstStyle/>
+          <a:p>
+            <a:r>
+              <a:rPr lang="en-GB" altLang="zh-TW" dirty="0"/>
+              <a:t>Today’s problem</a:t>
+            </a:r>
+            <a:endParaRPr lang="zh-TW" altLang="en-US" dirty="0"/>
+          </a:p>
+        </p:txBody>
+      </p:sp>
+      <p:sp>
+        <p:nvSpPr>
+          <p:cNvPr id="3" name="Content Placeholder 2">
+            <a:extLst>
+              <a:ext uri="{FF2B5EF4-FFF2-40B4-BE49-F238E27FC236}">
+                <a16:creationId xmlns:a16="http://schemas.microsoft.com/office/drawing/2014/main" id="{6344A0AF-AA4B-4592-8DF8-048891E15F86}"/>
+              </a:ext>
+            </a:extLst>
+          </p:cNvPr>
+          <p:cNvSpPr>
+            <a:spLocks noGrp="1"/>
+          </p:cNvSpPr>
+          <p:nvPr>
+            <p:ph idx="1"/>
+          </p:nvPr>
+        </p:nvSpPr>
+        <p:spPr/>
+        <p:txBody>
+          <a:bodyPr/>
+          <a:lstStyle/>
+          <a:p>
+            <a:r>
+              <a:rPr lang="en-GB" altLang="zh-TW" dirty="0"/>
+              <a:t>Use disjoint set…</a:t>
+            </a:r>
+          </a:p>
+          <a:p>
+            <a:endParaRPr lang="en-GB" altLang="zh-TW" dirty="0"/>
+          </a:p>
+          <a:p>
+            <a:r>
+              <a:rPr lang="en-GB" altLang="zh-TW" dirty="0"/>
+              <a:t>black groups : 9</a:t>
+            </a:r>
+          </a:p>
+          <a:p>
+            <a:r>
+              <a:rPr lang="en-GB" altLang="zh-TW" dirty="0"/>
+              <a:t>white groups : 3</a:t>
+            </a:r>
+            <a:endParaRPr lang="zh-TW" altLang="en-US" dirty="0"/>
+          </a:p>
+        </p:txBody>
+      </p:sp>
+      <p:pic>
+        <p:nvPicPr>
+          <p:cNvPr id="4" name="Picture 2" descr="「java weiqi」的圖片搜尋結果">
+            <a:extLst>
+              <a:ext uri="{FF2B5EF4-FFF2-40B4-BE49-F238E27FC236}">
+                <a16:creationId xmlns:a16="http://schemas.microsoft.com/office/drawing/2014/main" id="{E00EEFF2-8F38-453A-9B11-C4E3FD1FF0E4}"/>
+              </a:ext>
+            </a:extLst>
+          </p:cNvPr>
+          <p:cNvPicPr>
+            <a:picLocks noChangeAspect="1" noChangeArrowheads="1"/>
+          </p:cNvPicPr>
+          <p:nvPr/>
+        </p:nvPicPr>
+        <p:blipFill>
+          <a:blip r:embed="rId2">
+            <a:extLst>
+              <a:ext uri="{28A0092B-C50C-407E-A947-70E740481C1C}">
+                <a14:useLocalDpi xmlns:a14="http://schemas.microsoft.com/office/drawing/2010/main" val="0"/>
+              </a:ext>
+            </a:extLst>
+          </a:blip>
+          <a:srcRect/>
+          <a:stretch>
+            <a:fillRect/>
+          </a:stretch>
+        </p:blipFill>
+        <p:spPr bwMode="auto">
+          <a:xfrm>
+            <a:off x="6293134" y="2069694"/>
+            <a:ext cx="4479319" cy="3555015"/>
+          </a:xfrm>
+          <a:prstGeom prst="rect">
+            <a:avLst/>
+          </a:prstGeom>
+          <a:noFill/>
+          <a:extLst>
+            <a:ext uri="{909E8E84-426E-40DD-AFC4-6F175D3DCCD1}">
+              <a14:hiddenFill xmlns:a14="http://schemas.microsoft.com/office/drawing/2010/main">
+                <a:solidFill>
+                  <a:srgbClr val="FFFFFF"/>
+                </a:solidFill>
+              </a14:hiddenFill>
+            </a:ext>
+          </a:extLst>
+        </p:spPr>
+      </p:pic>
+    </p:spTree>
+    <p:extLst>
+      <p:ext uri="{BB962C8B-B14F-4D97-AF65-F5344CB8AC3E}">
+        <p14:creationId xmlns:p14="http://schemas.microsoft.com/office/powerpoint/2010/main" val="2976936044"/>
       </p:ext>
     </p:extLst>
   </p:cSld>

--- a/8_Disjoint.pptx
+++ b/8_Disjoint.pptx
@@ -285,7 +285,7 @@
           <a:p>
             <a:fld id="{021C7CBB-4F50-474A-BE4D-D71DDBEB8692}" type="datetimeFigureOut">
               <a:rPr lang="zh-TW" altLang="en-US" smtClean="0"/>
-              <a:t>2018/1/7</a:t>
+              <a:t>2018/1/8</a:t>
             </a:fld>
             <a:endParaRPr lang="zh-TW" altLang="en-US"/>
           </a:p>
@@ -485,7 +485,7 @@
           <a:p>
             <a:fld id="{021C7CBB-4F50-474A-BE4D-D71DDBEB8692}" type="datetimeFigureOut">
               <a:rPr lang="zh-TW" altLang="en-US" smtClean="0"/>
-              <a:t>2018/1/7</a:t>
+              <a:t>2018/1/8</a:t>
             </a:fld>
             <a:endParaRPr lang="zh-TW" altLang="en-US"/>
           </a:p>
@@ -695,7 +695,7 @@
           <a:p>
             <a:fld id="{021C7CBB-4F50-474A-BE4D-D71DDBEB8692}" type="datetimeFigureOut">
               <a:rPr lang="zh-TW" altLang="en-US" smtClean="0"/>
-              <a:t>2018/1/7</a:t>
+              <a:t>2018/1/8</a:t>
             </a:fld>
             <a:endParaRPr lang="zh-TW" altLang="en-US"/>
           </a:p>
@@ -895,7 +895,7 @@
           <a:p>
             <a:fld id="{021C7CBB-4F50-474A-BE4D-D71DDBEB8692}" type="datetimeFigureOut">
               <a:rPr lang="zh-TW" altLang="en-US" smtClean="0"/>
-              <a:t>2018/1/7</a:t>
+              <a:t>2018/1/8</a:t>
             </a:fld>
             <a:endParaRPr lang="zh-TW" altLang="en-US"/>
           </a:p>
@@ -1171,7 +1171,7 @@
           <a:p>
             <a:fld id="{021C7CBB-4F50-474A-BE4D-D71DDBEB8692}" type="datetimeFigureOut">
               <a:rPr lang="zh-TW" altLang="en-US" smtClean="0"/>
-              <a:t>2018/1/7</a:t>
+              <a:t>2018/1/8</a:t>
             </a:fld>
             <a:endParaRPr lang="zh-TW" altLang="en-US"/>
           </a:p>
@@ -1439,7 +1439,7 @@
           <a:p>
             <a:fld id="{021C7CBB-4F50-474A-BE4D-D71DDBEB8692}" type="datetimeFigureOut">
               <a:rPr lang="zh-TW" altLang="en-US" smtClean="0"/>
-              <a:t>2018/1/7</a:t>
+              <a:t>2018/1/8</a:t>
             </a:fld>
             <a:endParaRPr lang="zh-TW" altLang="en-US"/>
           </a:p>
@@ -1854,7 +1854,7 @@
           <a:p>
             <a:fld id="{021C7CBB-4F50-474A-BE4D-D71DDBEB8692}" type="datetimeFigureOut">
               <a:rPr lang="zh-TW" altLang="en-US" smtClean="0"/>
-              <a:t>2018/1/7</a:t>
+              <a:t>2018/1/8</a:t>
             </a:fld>
             <a:endParaRPr lang="zh-TW" altLang="en-US"/>
           </a:p>
@@ -1996,7 +1996,7 @@
           <a:p>
             <a:fld id="{021C7CBB-4F50-474A-BE4D-D71DDBEB8692}" type="datetimeFigureOut">
               <a:rPr lang="zh-TW" altLang="en-US" smtClean="0"/>
-              <a:t>2018/1/7</a:t>
+              <a:t>2018/1/8</a:t>
             </a:fld>
             <a:endParaRPr lang="zh-TW" altLang="en-US"/>
           </a:p>
@@ -2109,7 +2109,7 @@
           <a:p>
             <a:fld id="{021C7CBB-4F50-474A-BE4D-D71DDBEB8692}" type="datetimeFigureOut">
               <a:rPr lang="zh-TW" altLang="en-US" smtClean="0"/>
-              <a:t>2018/1/7</a:t>
+              <a:t>2018/1/8</a:t>
             </a:fld>
             <a:endParaRPr lang="zh-TW" altLang="en-US"/>
           </a:p>
@@ -2422,7 +2422,7 @@
           <a:p>
             <a:fld id="{021C7CBB-4F50-474A-BE4D-D71DDBEB8692}" type="datetimeFigureOut">
               <a:rPr lang="zh-TW" altLang="en-US" smtClean="0"/>
-              <a:t>2018/1/7</a:t>
+              <a:t>2018/1/8</a:t>
             </a:fld>
             <a:endParaRPr lang="zh-TW" altLang="en-US"/>
           </a:p>
@@ -2711,7 +2711,7 @@
           <a:p>
             <a:fld id="{021C7CBB-4F50-474A-BE4D-D71DDBEB8692}" type="datetimeFigureOut">
               <a:rPr lang="zh-TW" altLang="en-US" smtClean="0"/>
-              <a:t>2018/1/7</a:t>
+              <a:t>2018/1/8</a:t>
             </a:fld>
             <a:endParaRPr lang="zh-TW" altLang="en-US"/>
           </a:p>
@@ -2954,7 +2954,7 @@
           <a:p>
             <a:fld id="{021C7CBB-4F50-474A-BE4D-D71DDBEB8692}" type="datetimeFigureOut">
               <a:rPr lang="zh-TW" altLang="en-US" smtClean="0"/>
-              <a:t>2018/1/7</a:t>
+              <a:t>2018/1/8</a:t>
             </a:fld>
             <a:endParaRPr lang="zh-TW" altLang="en-US"/>
           </a:p>
@@ -4881,8 +4881,8 @@
           </a:p>
         </p:txBody>
       </p:sp>
-      <mc:AlternateContent xmlns:mc="http://schemas.openxmlformats.org/markup-compatibility/2006">
-        <mc:Choice xmlns:a14="http://schemas.microsoft.com/office/drawing/2010/main" Requires="a14">
+      <mc:AlternateContent xmlns:mc="http://schemas.openxmlformats.org/markup-compatibility/2006" xmlns:a14="http://schemas.microsoft.com/office/drawing/2010/main">
+        <mc:Choice Requires="a14">
           <p:sp>
             <p:nvSpPr>
               <p:cNvPr id="3" name="Content Placeholder 2">
@@ -5062,7 +5062,7 @@
             </p:txBody>
           </p:sp>
         </mc:Choice>
-        <mc:Fallback>
+        <mc:Fallback xmlns="">
           <p:sp>
             <p:nvSpPr>
               <p:cNvPr id="3" name="Content Placeholder 2">
@@ -5182,7 +5182,11 @@
           <a:bodyPr/>
           <a:lstStyle/>
           <a:p>
-            <a:endParaRPr lang="zh-TW" altLang="en-US"/>
+            <a:r>
+              <a:rPr lang="en-GB" altLang="zh-TW" dirty="0"/>
+              <a:t>https://github.com/kwea123/cpp_data_algo/tree/master/DisjointHW</a:t>
+            </a:r>
+            <a:endParaRPr lang="zh-TW" altLang="en-US" dirty="0"/>
           </a:p>
         </p:txBody>
       </p:sp>
@@ -5294,6 +5298,53 @@
           </a:p>
         </p:txBody>
       </p:sp>
+      <p:pic>
+        <p:nvPicPr>
+          <p:cNvPr id="4" name="Picture 2" descr="「java weiqi」的圖片搜尋結果">
+            <a:extLst>
+              <a:ext uri="{FF2B5EF4-FFF2-40B4-BE49-F238E27FC236}">
+                <a16:creationId xmlns:a16="http://schemas.microsoft.com/office/drawing/2014/main" id="{ACCC996B-CC0D-4870-BF49-9C093AC18443}"/>
+              </a:ext>
+            </a:extLst>
+          </p:cNvPr>
+          <p:cNvPicPr>
+            <a:picLocks noChangeAspect="1" noChangeArrowheads="1"/>
+          </p:cNvPicPr>
+          <p:nvPr/>
+        </p:nvPicPr>
+        <p:blipFill>
+          <a:blip r:embed="rId2">
+            <a:extLst>
+              <a:ext uri="{28A0092B-C50C-407E-A947-70E740481C1C}">
+                <a14:useLocalDpi xmlns:a14="http://schemas.microsoft.com/office/drawing/2010/main" val="0"/>
+              </a:ext>
+            </a:extLst>
+          </a:blip>
+          <a:srcRect/>
+          <a:stretch>
+            <a:fillRect/>
+          </a:stretch>
+        </p:blipFill>
+        <p:spPr bwMode="auto">
+          <a:xfrm>
+            <a:off x="6632182" y="2937860"/>
+            <a:ext cx="4479319" cy="3555015"/>
+          </a:xfrm>
+          <a:prstGeom prst="rect">
+            <a:avLst/>
+          </a:prstGeom>
+          <a:noFill/>
+          <a:extLst>
+            <a:ext uri="{909E8E84-426E-40DD-AFC4-6F175D3DCCD1}">
+              <a14:hiddenFill xmlns:a14="http://schemas.microsoft.com/office/drawing/2010/main">
+                <a:solidFill>
+                  <a:srgbClr val="FFFFFF"/>
+                </a:solidFill>
+              </a14:hiddenFill>
+            </a:ext>
+          </a:extLst>
+        </p:spPr>
+      </p:pic>
     </p:spTree>
     <p:extLst>
       <p:ext uri="{BB962C8B-B14F-4D97-AF65-F5344CB8AC3E}">
@@ -5710,8 +5761,8 @@
           </a:p>
         </p:txBody>
       </p:sp>
-      <mc:AlternateContent xmlns:mc="http://schemas.openxmlformats.org/markup-compatibility/2006">
-        <mc:Choice xmlns:a14="http://schemas.microsoft.com/office/drawing/2010/main" Requires="a14">
+      <mc:AlternateContent xmlns:mc="http://schemas.openxmlformats.org/markup-compatibility/2006" xmlns:a14="http://schemas.microsoft.com/office/drawing/2010/main">
+        <mc:Choice Requires="a14">
           <p:sp>
             <p:nvSpPr>
               <p:cNvPr id="3" name="Content Placeholder 2">
@@ -5879,7 +5930,7 @@
             </p:txBody>
           </p:sp>
         </mc:Choice>
-        <mc:Fallback>
+        <mc:Fallback xmlns="">
           <p:sp>
             <p:nvSpPr>
               <p:cNvPr id="3" name="Content Placeholder 2">
